--- a/tcc/docs/monograph.pptx
+++ b/tcc/docs/monograph.pptx
@@ -211,7 +211,7 @@
             <a:fld id="{1976F623-06CD-4732-B56E-AFE95C60C80B}" type="datetimeFigureOut">
               <a:rPr lang="pt-BR" smtClean="0"/>
               <a:pPr/>
-              <a:t>4/7/2011</a:t>
+              <a:t>04/07/2011</a:t>
             </a:fld>
             <a:endParaRPr lang="pt-BR"/>
           </a:p>
@@ -606,12 +606,186 @@
           <a:lstStyle/>
           <a:p>
             <a:r>
-              <a:rPr lang="pt-BR" dirty="0" smtClean="0">
-                <a:latin typeface="Arial" pitchFamily="34" charset="0"/>
-                <a:cs typeface="Arial" pitchFamily="34" charset="0"/>
-              </a:rPr>
-              <a:t>Os testes realizados com o sistema funcionaram de acordo com o esperado, conseguiu-se montar uma rede totalmente isolada, fazer as chamadas, enviar os comandos para desligar, desligar e requisitar o estado do LED, mesmo com um pequeno atraso para receber a mensagem de texto, tudo isso sem custo algum para o usuário</a:t>
-            </a:r>
+              <a:rPr lang="pt-BR" sz="1200" kern="1200" dirty="0" smtClean="0">
+                <a:solidFill>
+                  <a:schemeClr val="tx1"/>
+                </a:solidFill>
+                <a:latin typeface="+mn-lt"/>
+                <a:ea typeface="+mn-ea"/>
+                <a:cs typeface="+mn-cs"/>
+              </a:rPr>
+              <a:t>O sistema deve criar uma rede GSM, que seja isolada de operadoras de telefonia celular, fornecendo controle de acesso por </a:t>
+            </a:r>
+            <a:r>
+              <a:rPr lang="pt-BR" sz="1200" i="1" kern="1200" dirty="0" err="1" smtClean="0">
+                <a:solidFill>
+                  <a:schemeClr val="tx1"/>
+                </a:solidFill>
+                <a:latin typeface="+mn-lt"/>
+                <a:ea typeface="+mn-ea"/>
+                <a:cs typeface="+mn-cs"/>
+              </a:rPr>
+              <a:t>SimCard</a:t>
+            </a:r>
+            <a:r>
+              <a:rPr lang="pt-BR" sz="1200" kern="1200" dirty="0" smtClean="0">
+                <a:solidFill>
+                  <a:schemeClr val="tx1"/>
+                </a:solidFill>
+                <a:latin typeface="+mn-lt"/>
+                <a:ea typeface="+mn-ea"/>
+                <a:cs typeface="+mn-cs"/>
+              </a:rPr>
+              <a:t> para garantir segurança, já que este possui uma identidade única.</a:t>
+            </a:r>
+          </a:p>
+          <a:p>
+            <a:r>
+              <a:rPr lang="pt-BR" sz="1200" kern="1200" dirty="0" smtClean="0">
+                <a:solidFill>
+                  <a:schemeClr val="tx1"/>
+                </a:solidFill>
+                <a:latin typeface="+mn-lt"/>
+                <a:ea typeface="+mn-ea"/>
+                <a:cs typeface="+mn-cs"/>
+              </a:rPr>
+              <a:t>	A Figura 15 apresenta o diagrama de blocos do projeto lógico do sistema. Deve-se possuir um sistema transmissor e receptor GSM que comunica via protocolo TCP/IP com o sistema de gerenciamento de dados e via SIP/RTP com o sistema de atendimento automático de chamadas. O sistema de gerenciamento dados, por fim, comunica com o sistema de recepção </a:t>
+            </a:r>
+            <a:r>
+              <a:rPr lang="pt-BR" sz="1200" kern="1200" dirty="0" err="1" smtClean="0">
+                <a:solidFill>
+                  <a:schemeClr val="tx1"/>
+                </a:solidFill>
+                <a:latin typeface="+mn-lt"/>
+                <a:ea typeface="+mn-ea"/>
+                <a:cs typeface="+mn-cs"/>
+              </a:rPr>
+              <a:t>microcontrolado</a:t>
+            </a:r>
+            <a:r>
+              <a:rPr lang="pt-BR" sz="1200" kern="1200" dirty="0" smtClean="0">
+                <a:solidFill>
+                  <a:schemeClr val="tx1"/>
+                </a:solidFill>
+                <a:latin typeface="+mn-lt"/>
+                <a:ea typeface="+mn-ea"/>
+                <a:cs typeface="+mn-cs"/>
+              </a:rPr>
+              <a:t> via protocolo TCP/IP.</a:t>
+            </a:r>
+          </a:p>
+          <a:p>
+            <a:endParaRPr lang="pt-BR" sz="1200" kern="1200" dirty="0" smtClean="0">
+              <a:solidFill>
+                <a:schemeClr val="tx1"/>
+              </a:solidFill>
+              <a:latin typeface="+mn-lt"/>
+              <a:ea typeface="+mn-ea"/>
+              <a:cs typeface="+mn-cs"/>
+            </a:endParaRPr>
+          </a:p>
+          <a:p>
+            <a:pPr lvl="0">
+              <a:buFont typeface="Arial" pitchFamily="34" charset="0"/>
+              <a:buChar char="•"/>
+            </a:pPr>
+            <a:r>
+              <a:rPr lang="pt-BR" sz="1200" kern="1200" baseline="0" dirty="0" smtClean="0">
+                <a:solidFill>
+                  <a:schemeClr val="tx1"/>
+                </a:solidFill>
+                <a:latin typeface="+mn-lt"/>
+                <a:ea typeface="+mn-ea"/>
+                <a:cs typeface="+mn-cs"/>
+              </a:rPr>
+              <a:t> </a:t>
+            </a:r>
+            <a:r>
+              <a:rPr lang="pt-BR" sz="1200" kern="1200" dirty="0" smtClean="0">
+                <a:solidFill>
+                  <a:schemeClr val="tx1"/>
+                </a:solidFill>
+                <a:latin typeface="+mn-lt"/>
+                <a:ea typeface="+mn-ea"/>
+                <a:cs typeface="+mn-cs"/>
+              </a:rPr>
+              <a:t>atender uma chamada telefônica através de uma resposta interativa de voz;</a:t>
+            </a:r>
+          </a:p>
+          <a:p>
+            <a:pPr lvl="0">
+              <a:buFont typeface="Arial" pitchFamily="34" charset="0"/>
+              <a:buChar char="•"/>
+            </a:pPr>
+            <a:r>
+              <a:rPr lang="pt-BR" sz="1200" kern="1200" dirty="0" smtClean="0">
+                <a:solidFill>
+                  <a:schemeClr val="tx1"/>
+                </a:solidFill>
+                <a:latin typeface="+mn-lt"/>
+                <a:ea typeface="+mn-ea"/>
+                <a:cs typeface="+mn-cs"/>
+              </a:rPr>
+              <a:t> identificar os tons DTMF enviados pela estação móvel GSM;</a:t>
+            </a:r>
+          </a:p>
+          <a:p>
+            <a:pPr lvl="0">
+              <a:buFont typeface="Arial" pitchFamily="34" charset="0"/>
+              <a:buChar char="•"/>
+            </a:pPr>
+            <a:r>
+              <a:rPr lang="pt-BR" sz="1200" kern="1200" dirty="0" smtClean="0">
+                <a:solidFill>
+                  <a:schemeClr val="tx1"/>
+                </a:solidFill>
+                <a:latin typeface="+mn-lt"/>
+                <a:ea typeface="+mn-ea"/>
+                <a:cs typeface="+mn-cs"/>
+              </a:rPr>
+              <a:t> enviar os comandos para um sistema de recepção </a:t>
+            </a:r>
+            <a:r>
+              <a:rPr lang="pt-BR" sz="1200" kern="1200" dirty="0" err="1" smtClean="0">
+                <a:solidFill>
+                  <a:schemeClr val="tx1"/>
+                </a:solidFill>
+                <a:latin typeface="+mn-lt"/>
+                <a:ea typeface="+mn-ea"/>
+                <a:cs typeface="+mn-cs"/>
+              </a:rPr>
+              <a:t>microcontrolado</a:t>
+            </a:r>
+            <a:r>
+              <a:rPr lang="pt-BR" sz="1200" kern="1200" dirty="0" smtClean="0">
+                <a:solidFill>
+                  <a:schemeClr val="tx1"/>
+                </a:solidFill>
+                <a:latin typeface="+mn-lt"/>
+                <a:ea typeface="+mn-ea"/>
+                <a:cs typeface="+mn-cs"/>
+              </a:rPr>
+              <a:t>;</a:t>
+            </a:r>
+          </a:p>
+          <a:p>
+            <a:pPr lvl="0">
+              <a:buFont typeface="Arial" pitchFamily="34" charset="0"/>
+              <a:buChar char="•"/>
+            </a:pPr>
+            <a:r>
+              <a:rPr lang="pt-BR" sz="1200" kern="1200" dirty="0" smtClean="0">
+                <a:solidFill>
+                  <a:schemeClr val="tx1"/>
+                </a:solidFill>
+                <a:latin typeface="+mn-lt"/>
+                <a:ea typeface="+mn-ea"/>
+                <a:cs typeface="+mn-cs"/>
+              </a:rPr>
+              <a:t> enviar uma mensagem para a estação móvel com alguns dados sobre o sistema.</a:t>
+            </a:r>
+          </a:p>
+          <a:p>
             <a:endParaRPr lang="pt-BR" dirty="0"/>
           </a:p>
         </p:txBody>
@@ -634,7 +808,7 @@
             <a:fld id="{92DCBBAE-0A97-4F96-9884-7A4F5CAD24B6}" type="slidenum">
               <a:rPr lang="pt-BR" smtClean="0"/>
               <a:pPr/>
-              <a:t>16</a:t>
+              <a:t>11</a:t>
             </a:fld>
             <a:endParaRPr lang="pt-BR"/>
           </a:p>
@@ -694,6 +868,1737 @@
           </a:bodyPr>
           <a:lstStyle/>
           <a:p>
+            <a:r>
+              <a:rPr lang="pt-BR" sz="1200" kern="1200" dirty="0" smtClean="0">
+                <a:solidFill>
+                  <a:schemeClr val="tx1"/>
+                </a:solidFill>
+                <a:latin typeface="+mn-lt"/>
+                <a:ea typeface="+mn-ea"/>
+                <a:cs typeface="+mn-cs"/>
+              </a:rPr>
+              <a:t>O diagrama de caso de uso acima, Figura 16, apresenta os requisitos de interfaces externas, onde o MS faz o acesso ao sistema, envia comandos e recebe mensagens. O usuário herda as funcionalidades do MS, pois, é ele quem atua nos envio de comandos, lê as mensagens, e também, faz as configurações de cadastrar novos </a:t>
+            </a:r>
+            <a:r>
+              <a:rPr lang="pt-BR" sz="1200" i="1" kern="1200" dirty="0" err="1" smtClean="0">
+                <a:solidFill>
+                  <a:schemeClr val="tx1"/>
+                </a:solidFill>
+                <a:latin typeface="+mn-lt"/>
+                <a:ea typeface="+mn-ea"/>
+                <a:cs typeface="+mn-cs"/>
+              </a:rPr>
+              <a:t>SimCards</a:t>
+            </a:r>
+            <a:r>
+              <a:rPr lang="pt-BR" sz="1200" kern="1200" dirty="0" smtClean="0">
+                <a:solidFill>
+                  <a:schemeClr val="tx1"/>
+                </a:solidFill>
+                <a:latin typeface="+mn-lt"/>
+                <a:ea typeface="+mn-ea"/>
+                <a:cs typeface="+mn-cs"/>
+              </a:rPr>
+              <a:t> para utilizar outros </a:t>
+            </a:r>
+            <a:r>
+              <a:rPr lang="pt-BR" sz="1200" kern="1200" dirty="0" err="1" smtClean="0">
+                <a:solidFill>
+                  <a:schemeClr val="tx1"/>
+                </a:solidFill>
+                <a:latin typeface="+mn-lt"/>
+                <a:ea typeface="+mn-ea"/>
+                <a:cs typeface="+mn-cs"/>
+              </a:rPr>
+              <a:t>MSs</a:t>
+            </a:r>
+            <a:r>
+              <a:rPr lang="pt-BR" sz="1200" kern="1200" dirty="0" smtClean="0">
+                <a:solidFill>
+                  <a:schemeClr val="tx1"/>
+                </a:solidFill>
+                <a:latin typeface="+mn-lt"/>
+                <a:ea typeface="+mn-ea"/>
+                <a:cs typeface="+mn-cs"/>
+              </a:rPr>
+              <a:t>. O responsável técnico é responsável pela configuração do sistema de atendimento automático de chamadas, configurando cada opção de acordo com cada usuário</a:t>
+            </a:r>
+            <a:endParaRPr lang="pt-BR" dirty="0"/>
+          </a:p>
+        </p:txBody>
+      </p:sp>
+      <p:sp>
+        <p:nvSpPr>
+          <p:cNvPr id="4" name="Espaço Reservado para Número de Slide 3"/>
+          <p:cNvSpPr>
+            <a:spLocks noGrp="1"/>
+          </p:cNvSpPr>
+          <p:nvPr>
+            <p:ph type="sldNum" sz="quarter" idx="10"/>
+          </p:nvPr>
+        </p:nvSpPr>
+        <p:spPr/>
+        <p:txBody>
+          <a:bodyPr/>
+          <a:lstStyle/>
+          <a:p>
+            <a:fld id="{92DCBBAE-0A97-4F96-9884-7A4F5CAD24B6}" type="slidenum">
+              <a:rPr lang="pt-BR" smtClean="0"/>
+              <a:pPr/>
+              <a:t>12</a:t>
+            </a:fld>
+            <a:endParaRPr lang="pt-BR"/>
+          </a:p>
+        </p:txBody>
+      </p:sp>
+    </p:spTree>
+  </p:cSld>
+  <p:clrMapOvr>
+    <a:masterClrMapping/>
+  </p:clrMapOvr>
+</p:notes>
+</file>
+
+<file path=ppt/notesSlides/notesSlide12.xml><?xml version="1.0" encoding="utf-8"?>
+<p:notes xmlns:a="http://schemas.openxmlformats.org/drawingml/2006/main" xmlns:r="http://schemas.openxmlformats.org/officeDocument/2006/relationships" xmlns:p="http://schemas.openxmlformats.org/presentationml/2006/main">
+  <p:cSld>
+    <p:spTree>
+      <p:nvGrpSpPr>
+        <p:cNvPr id="1" name=""/>
+        <p:cNvGrpSpPr/>
+        <p:nvPr/>
+      </p:nvGrpSpPr>
+      <p:grpSpPr>
+        <a:xfrm>
+          <a:off x="0" y="0"/>
+          <a:ext cx="0" cy="0"/>
+          <a:chOff x="0" y="0"/>
+          <a:chExt cx="0" cy="0"/>
+        </a:xfrm>
+      </p:grpSpPr>
+      <p:sp>
+        <p:nvSpPr>
+          <p:cNvPr id="2" name="Espaço Reservado para Imagem de Slide 1"/>
+          <p:cNvSpPr>
+            <a:spLocks noGrp="1" noRot="1" noChangeAspect="1"/>
+          </p:cNvSpPr>
+          <p:nvPr>
+            <p:ph type="sldImg"/>
+          </p:nvPr>
+        </p:nvSpPr>
+        <p:spPr/>
+      </p:sp>
+      <p:sp>
+        <p:nvSpPr>
+          <p:cNvPr id="3" name="Espaço Reservado para Anotações 2"/>
+          <p:cNvSpPr>
+            <a:spLocks noGrp="1"/>
+          </p:cNvSpPr>
+          <p:nvPr>
+            <p:ph type="body" idx="1"/>
+          </p:nvPr>
+        </p:nvSpPr>
+        <p:spPr/>
+        <p:txBody>
+          <a:bodyPr>
+            <a:normAutofit/>
+          </a:bodyPr>
+          <a:lstStyle/>
+          <a:p>
+            <a:pPr lvl="0"/>
+            <a:r>
+              <a:rPr lang="pt-BR" sz="1200" kern="1200" dirty="0" smtClean="0">
+                <a:solidFill>
+                  <a:schemeClr val="tx1"/>
+                </a:solidFill>
+                <a:latin typeface="+mn-lt"/>
+                <a:ea typeface="+mn-ea"/>
+                <a:cs typeface="+mn-cs"/>
+              </a:rPr>
+              <a:t>Linux embarcado </a:t>
+            </a:r>
+            <a:r>
+              <a:rPr lang="pt-BR" sz="1200" kern="1200" dirty="0" err="1" smtClean="0">
+                <a:solidFill>
+                  <a:schemeClr val="tx1"/>
+                </a:solidFill>
+                <a:latin typeface="+mn-lt"/>
+                <a:ea typeface="+mn-ea"/>
+                <a:cs typeface="+mn-cs"/>
+              </a:rPr>
+              <a:t>MontaVista</a:t>
+            </a:r>
+            <a:r>
+              <a:rPr lang="pt-BR" sz="1200" kern="1200" dirty="0" smtClean="0">
+                <a:solidFill>
+                  <a:schemeClr val="tx1"/>
+                </a:solidFill>
+                <a:latin typeface="+mn-lt"/>
+                <a:ea typeface="+mn-ea"/>
+                <a:cs typeface="+mn-cs"/>
+              </a:rPr>
+              <a:t>: sistema operacional do núcleo MCU que serve de requisito para os outros componentes;</a:t>
+            </a:r>
+          </a:p>
+          <a:p>
+            <a:pPr lvl="0"/>
+            <a:r>
+              <a:rPr lang="pt-BR" sz="1200" i="1" kern="1200" dirty="0" err="1" smtClean="0">
+                <a:solidFill>
+                  <a:schemeClr val="tx1"/>
+                </a:solidFill>
+                <a:latin typeface="+mn-lt"/>
+                <a:ea typeface="+mn-ea"/>
+                <a:cs typeface="+mn-cs"/>
+              </a:rPr>
+              <a:t>DSPLink</a:t>
+            </a:r>
+            <a:r>
+              <a:rPr lang="pt-BR" sz="1200" kern="1200" dirty="0" smtClean="0">
+                <a:solidFill>
+                  <a:schemeClr val="tx1"/>
+                </a:solidFill>
+                <a:latin typeface="+mn-lt"/>
+                <a:ea typeface="+mn-ea"/>
+                <a:cs typeface="+mn-cs"/>
+              </a:rPr>
+              <a:t>: componente que faz a troca de mensagens entre o núcleo MCU e o DSP;</a:t>
+            </a:r>
+          </a:p>
+          <a:p>
+            <a:pPr lvl="0"/>
+            <a:r>
+              <a:rPr lang="pt-BR" sz="1200" kern="1200" dirty="0" smtClean="0">
+                <a:solidFill>
+                  <a:schemeClr val="tx1"/>
+                </a:solidFill>
+                <a:latin typeface="+mn-lt"/>
+                <a:ea typeface="+mn-ea"/>
+                <a:cs typeface="+mn-cs"/>
+              </a:rPr>
+              <a:t>Controlador banda base GSM: componente que implementa a interface para configuração do </a:t>
+            </a:r>
+            <a:r>
+              <a:rPr lang="pt-BR" sz="1200" i="1" kern="1200" dirty="0" smtClean="0">
+                <a:solidFill>
+                  <a:schemeClr val="tx1"/>
+                </a:solidFill>
+                <a:latin typeface="+mn-lt"/>
+                <a:ea typeface="+mn-ea"/>
+                <a:cs typeface="+mn-cs"/>
+              </a:rPr>
+              <a:t>hardware</a:t>
+            </a:r>
+            <a:r>
+              <a:rPr lang="pt-BR" sz="1200" kern="1200" dirty="0" smtClean="0">
+                <a:solidFill>
+                  <a:schemeClr val="tx1"/>
+                </a:solidFill>
+                <a:latin typeface="+mn-lt"/>
+                <a:ea typeface="+mn-ea"/>
+                <a:cs typeface="+mn-cs"/>
+              </a:rPr>
+              <a:t> de banda base GSM.</a:t>
+            </a:r>
+          </a:p>
+          <a:p>
+            <a:pPr lvl="0"/>
+            <a:r>
+              <a:rPr lang="pt-BR" sz="1200" kern="1200" dirty="0" smtClean="0">
+                <a:solidFill>
+                  <a:schemeClr val="tx1"/>
+                </a:solidFill>
+                <a:latin typeface="+mn-lt"/>
+                <a:ea typeface="+mn-ea"/>
+                <a:cs typeface="+mn-cs"/>
+              </a:rPr>
+              <a:t>Aplicação MCU: onde é feito o tratamento das camadas dois e três do protocolo GSM; a comunicação via TCP/IP com o gerenciador de dados e o estabelecimento de uma sessão SIP com o </a:t>
+            </a:r>
+            <a:r>
+              <a:rPr lang="pt-BR" sz="1200" i="1" kern="1200" dirty="0" err="1" smtClean="0">
+                <a:solidFill>
+                  <a:schemeClr val="tx1"/>
+                </a:solidFill>
+                <a:latin typeface="+mn-lt"/>
+                <a:ea typeface="+mn-ea"/>
+                <a:cs typeface="+mn-cs"/>
+              </a:rPr>
+              <a:t>Asterisk</a:t>
+            </a:r>
+            <a:r>
+              <a:rPr lang="pt-BR" sz="1200" kern="1200" dirty="0" smtClean="0">
+                <a:solidFill>
+                  <a:schemeClr val="tx1"/>
+                </a:solidFill>
+                <a:latin typeface="+mn-lt"/>
+                <a:ea typeface="+mn-ea"/>
+                <a:cs typeface="+mn-cs"/>
+              </a:rPr>
+              <a:t>.</a:t>
+            </a:r>
+          </a:p>
+          <a:p>
+            <a:pPr lvl="0"/>
+            <a:r>
+              <a:rPr lang="pt-BR" sz="1200" kern="1200" dirty="0" smtClean="0">
+                <a:solidFill>
+                  <a:schemeClr val="tx1"/>
+                </a:solidFill>
+                <a:latin typeface="+mn-lt"/>
+                <a:ea typeface="+mn-ea"/>
+                <a:cs typeface="+mn-cs"/>
+              </a:rPr>
+              <a:t>DSP BIOS: sistema operacional de tempo real do núcleo DSP que serve de requisito para os outros componentes;</a:t>
+            </a:r>
+          </a:p>
+          <a:p>
+            <a:pPr lvl="0"/>
+            <a:r>
+              <a:rPr lang="pt-BR" sz="1200" kern="1200" dirty="0" smtClean="0">
+                <a:solidFill>
+                  <a:schemeClr val="tx1"/>
+                </a:solidFill>
+                <a:latin typeface="+mn-lt"/>
+                <a:ea typeface="+mn-ea"/>
+                <a:cs typeface="+mn-cs"/>
+              </a:rPr>
+              <a:t>Controlador do transceptor: componente que implementa a interface de configuração do </a:t>
+            </a:r>
+            <a:r>
+              <a:rPr lang="pt-BR" sz="1200" i="1" kern="1200" dirty="0" smtClean="0">
+                <a:solidFill>
+                  <a:schemeClr val="tx1"/>
+                </a:solidFill>
+                <a:latin typeface="+mn-lt"/>
+                <a:ea typeface="+mn-ea"/>
+                <a:cs typeface="+mn-cs"/>
+              </a:rPr>
+              <a:t>hardware</a:t>
+            </a:r>
+            <a:r>
+              <a:rPr lang="pt-BR" sz="1200" kern="1200" dirty="0" smtClean="0">
+                <a:solidFill>
+                  <a:schemeClr val="tx1"/>
+                </a:solidFill>
+                <a:latin typeface="+mn-lt"/>
+                <a:ea typeface="+mn-ea"/>
+                <a:cs typeface="+mn-cs"/>
+              </a:rPr>
+              <a:t> transceptor GSM.</a:t>
+            </a:r>
+          </a:p>
+          <a:p>
+            <a:pPr lvl="0"/>
+            <a:r>
+              <a:rPr lang="pt-BR" sz="1200" kern="1200" dirty="0" smtClean="0">
+                <a:solidFill>
+                  <a:schemeClr val="tx1"/>
+                </a:solidFill>
+                <a:latin typeface="+mn-lt"/>
+                <a:ea typeface="+mn-ea"/>
+                <a:cs typeface="+mn-cs"/>
+              </a:rPr>
+              <a:t>Aplicação DSP: onde é feito a decodificação dos </a:t>
+            </a:r>
+            <a:r>
+              <a:rPr lang="pt-BR" sz="1200" i="1" kern="1200" dirty="0" err="1" smtClean="0">
+                <a:solidFill>
+                  <a:schemeClr val="tx1"/>
+                </a:solidFill>
+                <a:latin typeface="+mn-lt"/>
+                <a:ea typeface="+mn-ea"/>
+                <a:cs typeface="+mn-cs"/>
+              </a:rPr>
+              <a:t>burts</a:t>
+            </a:r>
+            <a:r>
+              <a:rPr lang="pt-BR" sz="1200" kern="1200" dirty="0" smtClean="0">
+                <a:solidFill>
+                  <a:schemeClr val="tx1"/>
+                </a:solidFill>
+                <a:latin typeface="+mn-lt"/>
+                <a:ea typeface="+mn-ea"/>
+                <a:cs typeface="+mn-cs"/>
+              </a:rPr>
+              <a:t>.</a:t>
+            </a:r>
+          </a:p>
+          <a:p>
+            <a:r>
+              <a:rPr lang="pt-BR" sz="1200" kern="1200" dirty="0" smtClean="0">
+                <a:solidFill>
+                  <a:schemeClr val="tx1"/>
+                </a:solidFill>
+                <a:latin typeface="+mn-lt"/>
+                <a:ea typeface="+mn-ea"/>
+                <a:cs typeface="+mn-cs"/>
+              </a:rPr>
+              <a:t> </a:t>
+            </a:r>
+          </a:p>
+          <a:p>
+            <a:r>
+              <a:rPr lang="pt-BR" sz="1200" kern="1200" dirty="0" smtClean="0">
+                <a:solidFill>
+                  <a:schemeClr val="tx1"/>
+                </a:solidFill>
+                <a:latin typeface="+mn-lt"/>
+                <a:ea typeface="+mn-ea"/>
+                <a:cs typeface="+mn-cs"/>
+              </a:rPr>
+              <a:t>	O </a:t>
+            </a:r>
+            <a:r>
+              <a:rPr lang="pt-BR" sz="1200" i="1" kern="1200" dirty="0" smtClean="0">
+                <a:solidFill>
+                  <a:schemeClr val="tx1"/>
+                </a:solidFill>
+                <a:latin typeface="+mn-lt"/>
+                <a:ea typeface="+mn-ea"/>
+                <a:cs typeface="+mn-cs"/>
+              </a:rPr>
+              <a:t>software</a:t>
+            </a:r>
+            <a:r>
+              <a:rPr lang="pt-BR" sz="1200" kern="1200" dirty="0" smtClean="0">
+                <a:solidFill>
+                  <a:schemeClr val="tx1"/>
+                </a:solidFill>
+                <a:latin typeface="+mn-lt"/>
+                <a:ea typeface="+mn-ea"/>
+                <a:cs typeface="+mn-cs"/>
+              </a:rPr>
+              <a:t> da aplicação do núcleo MCU teve seu desenvolvimento feito em linguagem C, através da compilação cruzada do GCC para o ARM em ambiente Linux. Para compilar a aplicação do núcleo DSP, utilizou-se o </a:t>
+            </a:r>
+            <a:r>
+              <a:rPr lang="pt-BR" sz="1200" i="1" kern="1200" dirty="0" err="1" smtClean="0">
+                <a:solidFill>
+                  <a:schemeClr val="tx1"/>
+                </a:solidFill>
+                <a:latin typeface="+mn-lt"/>
+                <a:ea typeface="+mn-ea"/>
+                <a:cs typeface="+mn-cs"/>
+              </a:rPr>
+              <a:t>Code</a:t>
+            </a:r>
+            <a:r>
+              <a:rPr lang="pt-BR" sz="1200" kern="1200" dirty="0" smtClean="0">
+                <a:solidFill>
+                  <a:schemeClr val="tx1"/>
+                </a:solidFill>
+                <a:latin typeface="+mn-lt"/>
+                <a:ea typeface="+mn-ea"/>
+                <a:cs typeface="+mn-cs"/>
+              </a:rPr>
+              <a:t> </a:t>
+            </a:r>
+            <a:r>
+              <a:rPr lang="pt-BR" sz="1200" i="1" kern="1200" dirty="0" err="1" smtClean="0">
+                <a:solidFill>
+                  <a:schemeClr val="tx1"/>
+                </a:solidFill>
+                <a:latin typeface="+mn-lt"/>
+                <a:ea typeface="+mn-ea"/>
+                <a:cs typeface="+mn-cs"/>
+              </a:rPr>
+              <a:t>Composer</a:t>
+            </a:r>
+            <a:r>
+              <a:rPr lang="pt-BR" sz="1200" i="1" kern="1200" dirty="0" smtClean="0">
+                <a:solidFill>
+                  <a:schemeClr val="tx1"/>
+                </a:solidFill>
+                <a:latin typeface="+mn-lt"/>
+                <a:ea typeface="+mn-ea"/>
+                <a:cs typeface="+mn-cs"/>
+              </a:rPr>
+              <a:t> Studio</a:t>
+            </a:r>
+            <a:endParaRPr lang="pt-BR" dirty="0"/>
+          </a:p>
+        </p:txBody>
+      </p:sp>
+      <p:sp>
+        <p:nvSpPr>
+          <p:cNvPr id="4" name="Espaço Reservado para Número de Slide 3"/>
+          <p:cNvSpPr>
+            <a:spLocks noGrp="1"/>
+          </p:cNvSpPr>
+          <p:nvPr>
+            <p:ph type="sldNum" sz="quarter" idx="10"/>
+          </p:nvPr>
+        </p:nvSpPr>
+        <p:spPr/>
+        <p:txBody>
+          <a:bodyPr/>
+          <a:lstStyle/>
+          <a:p>
+            <a:fld id="{92DCBBAE-0A97-4F96-9884-7A4F5CAD24B6}" type="slidenum">
+              <a:rPr lang="pt-BR" smtClean="0"/>
+              <a:pPr/>
+              <a:t>13</a:t>
+            </a:fld>
+            <a:endParaRPr lang="pt-BR"/>
+          </a:p>
+        </p:txBody>
+      </p:sp>
+    </p:spTree>
+  </p:cSld>
+  <p:clrMapOvr>
+    <a:masterClrMapping/>
+  </p:clrMapOvr>
+</p:notes>
+</file>
+
+<file path=ppt/notesSlides/notesSlide13.xml><?xml version="1.0" encoding="utf-8"?>
+<p:notes xmlns:a="http://schemas.openxmlformats.org/drawingml/2006/main" xmlns:r="http://schemas.openxmlformats.org/officeDocument/2006/relationships" xmlns:p="http://schemas.openxmlformats.org/presentationml/2006/main">
+  <p:cSld>
+    <p:spTree>
+      <p:nvGrpSpPr>
+        <p:cNvPr id="1" name=""/>
+        <p:cNvGrpSpPr/>
+        <p:nvPr/>
+      </p:nvGrpSpPr>
+      <p:grpSpPr>
+        <a:xfrm>
+          <a:off x="0" y="0"/>
+          <a:ext cx="0" cy="0"/>
+          <a:chOff x="0" y="0"/>
+          <a:chExt cx="0" cy="0"/>
+        </a:xfrm>
+      </p:grpSpPr>
+      <p:sp>
+        <p:nvSpPr>
+          <p:cNvPr id="2" name="Espaço Reservado para Imagem de Slide 1"/>
+          <p:cNvSpPr>
+            <a:spLocks noGrp="1" noRot="1" noChangeAspect="1"/>
+          </p:cNvSpPr>
+          <p:nvPr>
+            <p:ph type="sldImg"/>
+          </p:nvPr>
+        </p:nvSpPr>
+        <p:spPr/>
+      </p:sp>
+      <p:sp>
+        <p:nvSpPr>
+          <p:cNvPr id="3" name="Espaço Reservado para Anotações 2"/>
+          <p:cNvSpPr>
+            <a:spLocks noGrp="1"/>
+          </p:cNvSpPr>
+          <p:nvPr>
+            <p:ph type="body" idx="1"/>
+          </p:nvPr>
+        </p:nvSpPr>
+        <p:spPr/>
+        <p:txBody>
+          <a:bodyPr>
+            <a:normAutofit/>
+          </a:bodyPr>
+          <a:lstStyle/>
+          <a:p>
+            <a:pPr lvl="0"/>
+            <a:r>
+              <a:rPr lang="pt-BR" sz="1200" kern="1200" dirty="0" smtClean="0">
+                <a:solidFill>
+                  <a:schemeClr val="tx1"/>
+                </a:solidFill>
+                <a:latin typeface="+mn-lt"/>
+                <a:ea typeface="+mn-ea"/>
+                <a:cs typeface="+mn-cs"/>
+              </a:rPr>
+              <a:t>Linux: sistema operacional base para as aplicações, neste projeto utilizou-se a distribuição </a:t>
+            </a:r>
+            <a:r>
+              <a:rPr lang="pt-BR" sz="1200" kern="1200" dirty="0" err="1" smtClean="0">
+                <a:solidFill>
+                  <a:schemeClr val="tx1"/>
+                </a:solidFill>
+                <a:latin typeface="+mn-lt"/>
+                <a:ea typeface="+mn-ea"/>
+                <a:cs typeface="+mn-cs"/>
+              </a:rPr>
+              <a:t>Ubuntu</a:t>
+            </a:r>
+            <a:r>
+              <a:rPr lang="pt-BR" sz="1200" kern="1200" dirty="0" smtClean="0">
+                <a:solidFill>
+                  <a:schemeClr val="tx1"/>
+                </a:solidFill>
+                <a:latin typeface="+mn-lt"/>
+                <a:ea typeface="+mn-ea"/>
+                <a:cs typeface="+mn-cs"/>
+              </a:rPr>
+              <a:t>;</a:t>
+            </a:r>
+          </a:p>
+          <a:p>
+            <a:pPr lvl="0"/>
+            <a:r>
+              <a:rPr lang="pt-BR" sz="1200" kern="1200" dirty="0" smtClean="0">
+                <a:solidFill>
+                  <a:schemeClr val="tx1"/>
+                </a:solidFill>
+                <a:latin typeface="+mn-lt"/>
+                <a:ea typeface="+mn-ea"/>
+                <a:cs typeface="+mn-cs"/>
+              </a:rPr>
+              <a:t>Resposta de voz interativa: parte do sistema que codifica os tons DTMF em uma sessão SIP/RTP. Utilizou-se o </a:t>
+            </a:r>
+            <a:r>
+              <a:rPr lang="pt-BR" sz="1200" i="1" kern="1200" dirty="0" err="1" smtClean="0">
+                <a:solidFill>
+                  <a:schemeClr val="tx1"/>
+                </a:solidFill>
+                <a:latin typeface="+mn-lt"/>
+                <a:ea typeface="+mn-ea"/>
+                <a:cs typeface="+mn-cs"/>
+              </a:rPr>
+              <a:t>Asterisk</a:t>
+            </a:r>
+            <a:r>
+              <a:rPr lang="pt-BR" sz="1200" kern="1200" dirty="0" smtClean="0">
+                <a:solidFill>
+                  <a:schemeClr val="tx1"/>
+                </a:solidFill>
+                <a:latin typeface="+mn-lt"/>
+                <a:ea typeface="+mn-ea"/>
+                <a:cs typeface="+mn-cs"/>
+              </a:rPr>
+              <a:t> para implementar o IVR, ela comunica com o gerenciador através do protocolo TCP/IP;</a:t>
+            </a:r>
+          </a:p>
+          <a:p>
+            <a:pPr lvl="0"/>
+            <a:r>
+              <a:rPr lang="pt-BR" sz="1200" kern="1200" dirty="0" smtClean="0">
+                <a:solidFill>
+                  <a:schemeClr val="tx1"/>
+                </a:solidFill>
+                <a:latin typeface="+mn-lt"/>
+                <a:ea typeface="+mn-ea"/>
+                <a:cs typeface="+mn-cs"/>
+              </a:rPr>
+              <a:t>Gerenciador: aplicação responsável para enviar os parâmetros de configuração do sistema transmissor e receptor GSM: configuração da rede GSM, potência do sinal; responsável pelo envio dos comandos decodificados para o sistema receptor </a:t>
+            </a:r>
+            <a:r>
+              <a:rPr lang="pt-BR" sz="1200" kern="1200" dirty="0" err="1" smtClean="0">
+                <a:solidFill>
+                  <a:schemeClr val="tx1"/>
+                </a:solidFill>
+                <a:latin typeface="+mn-lt"/>
+                <a:ea typeface="+mn-ea"/>
+                <a:cs typeface="+mn-cs"/>
+              </a:rPr>
+              <a:t>microcontrolado</a:t>
+            </a:r>
+            <a:r>
+              <a:rPr lang="pt-BR" sz="1200" kern="1200" dirty="0" smtClean="0">
+                <a:solidFill>
+                  <a:schemeClr val="tx1"/>
+                </a:solidFill>
+                <a:latin typeface="+mn-lt"/>
+                <a:ea typeface="+mn-ea"/>
+                <a:cs typeface="+mn-cs"/>
+              </a:rPr>
+              <a:t> e pela aquisição de dados do sistema de recepção </a:t>
+            </a:r>
+            <a:r>
+              <a:rPr lang="pt-BR" sz="1200" kern="1200" dirty="0" err="1" smtClean="0">
+                <a:solidFill>
+                  <a:schemeClr val="tx1"/>
+                </a:solidFill>
+                <a:latin typeface="+mn-lt"/>
+                <a:ea typeface="+mn-ea"/>
+                <a:cs typeface="+mn-cs"/>
+              </a:rPr>
+              <a:t>microcontrolado</a:t>
+            </a:r>
+            <a:r>
+              <a:rPr lang="pt-BR" sz="1200" kern="1200" dirty="0" smtClean="0">
+                <a:solidFill>
+                  <a:schemeClr val="tx1"/>
+                </a:solidFill>
+                <a:latin typeface="+mn-lt"/>
+                <a:ea typeface="+mn-ea"/>
+                <a:cs typeface="+mn-cs"/>
+              </a:rPr>
+              <a:t>.</a:t>
+            </a:r>
+          </a:p>
+          <a:p>
+            <a:r>
+              <a:rPr lang="pt-BR" sz="1200" kern="1200" dirty="0" smtClean="0">
+                <a:solidFill>
+                  <a:schemeClr val="tx1"/>
+                </a:solidFill>
+                <a:latin typeface="+mn-lt"/>
+                <a:ea typeface="+mn-ea"/>
+                <a:cs typeface="+mn-cs"/>
+              </a:rPr>
+              <a:t> </a:t>
+            </a:r>
+          </a:p>
+          <a:p>
+            <a:r>
+              <a:rPr lang="pt-BR" sz="1200" kern="1200" dirty="0" smtClean="0">
+                <a:solidFill>
+                  <a:schemeClr val="tx1"/>
+                </a:solidFill>
+                <a:latin typeface="+mn-lt"/>
+                <a:ea typeface="+mn-ea"/>
+                <a:cs typeface="+mn-cs"/>
+              </a:rPr>
+              <a:t>	O </a:t>
+            </a:r>
+            <a:r>
+              <a:rPr lang="pt-BR" sz="1200" i="1" kern="1200" dirty="0" smtClean="0">
+                <a:solidFill>
+                  <a:schemeClr val="tx1"/>
+                </a:solidFill>
+                <a:latin typeface="+mn-lt"/>
+                <a:ea typeface="+mn-ea"/>
+                <a:cs typeface="+mn-cs"/>
+              </a:rPr>
+              <a:t>software</a:t>
+            </a:r>
+            <a:r>
+              <a:rPr lang="pt-BR" sz="1200" kern="1200" dirty="0" smtClean="0">
+                <a:solidFill>
+                  <a:schemeClr val="tx1"/>
+                </a:solidFill>
+                <a:latin typeface="+mn-lt"/>
+                <a:ea typeface="+mn-ea"/>
+                <a:cs typeface="+mn-cs"/>
+              </a:rPr>
+              <a:t> do gerenciador teve seu desenvolvimento executado na linguagem C em ambiente Linux, utilizando recursos da biblioteca </a:t>
+            </a:r>
+            <a:r>
+              <a:rPr lang="pt-BR" sz="1200" kern="1200" dirty="0" err="1" smtClean="0">
+                <a:solidFill>
+                  <a:schemeClr val="tx1"/>
+                </a:solidFill>
+                <a:latin typeface="+mn-lt"/>
+                <a:ea typeface="+mn-ea"/>
+                <a:cs typeface="+mn-cs"/>
+              </a:rPr>
+              <a:t>GLib</a:t>
+            </a:r>
+            <a:r>
+              <a:rPr lang="pt-BR" sz="1200" kern="1200" dirty="0" smtClean="0">
+                <a:solidFill>
+                  <a:schemeClr val="tx1"/>
+                </a:solidFill>
+                <a:latin typeface="+mn-lt"/>
+                <a:ea typeface="+mn-ea"/>
+                <a:cs typeface="+mn-cs"/>
+              </a:rPr>
+              <a:t> para a implementação do servidor TCP.</a:t>
+            </a:r>
+            <a:endParaRPr lang="pt-BR" dirty="0"/>
+          </a:p>
+        </p:txBody>
+      </p:sp>
+      <p:sp>
+        <p:nvSpPr>
+          <p:cNvPr id="4" name="Espaço Reservado para Número de Slide 3"/>
+          <p:cNvSpPr>
+            <a:spLocks noGrp="1"/>
+          </p:cNvSpPr>
+          <p:nvPr>
+            <p:ph type="sldNum" sz="quarter" idx="10"/>
+          </p:nvPr>
+        </p:nvSpPr>
+        <p:spPr/>
+        <p:txBody>
+          <a:bodyPr/>
+          <a:lstStyle/>
+          <a:p>
+            <a:fld id="{92DCBBAE-0A97-4F96-9884-7A4F5CAD24B6}" type="slidenum">
+              <a:rPr lang="pt-BR" smtClean="0"/>
+              <a:pPr/>
+              <a:t>14</a:t>
+            </a:fld>
+            <a:endParaRPr lang="pt-BR"/>
+          </a:p>
+        </p:txBody>
+      </p:sp>
+    </p:spTree>
+  </p:cSld>
+  <p:clrMapOvr>
+    <a:masterClrMapping/>
+  </p:clrMapOvr>
+</p:notes>
+</file>
+
+<file path=ppt/notesSlides/notesSlide14.xml><?xml version="1.0" encoding="utf-8"?>
+<p:notes xmlns:a="http://schemas.openxmlformats.org/drawingml/2006/main" xmlns:r="http://schemas.openxmlformats.org/officeDocument/2006/relationships" xmlns:p="http://schemas.openxmlformats.org/presentationml/2006/main">
+  <p:cSld>
+    <p:spTree>
+      <p:nvGrpSpPr>
+        <p:cNvPr id="1" name=""/>
+        <p:cNvGrpSpPr/>
+        <p:nvPr/>
+      </p:nvGrpSpPr>
+      <p:grpSpPr>
+        <a:xfrm>
+          <a:off x="0" y="0"/>
+          <a:ext cx="0" cy="0"/>
+          <a:chOff x="0" y="0"/>
+          <a:chExt cx="0" cy="0"/>
+        </a:xfrm>
+      </p:grpSpPr>
+      <p:sp>
+        <p:nvSpPr>
+          <p:cNvPr id="2" name="Espaço Reservado para Imagem de Slide 1"/>
+          <p:cNvSpPr>
+            <a:spLocks noGrp="1" noRot="1" noChangeAspect="1"/>
+          </p:cNvSpPr>
+          <p:nvPr>
+            <p:ph type="sldImg"/>
+          </p:nvPr>
+        </p:nvSpPr>
+        <p:spPr/>
+      </p:sp>
+      <p:sp>
+        <p:nvSpPr>
+          <p:cNvPr id="3" name="Espaço Reservado para Anotações 2"/>
+          <p:cNvSpPr>
+            <a:spLocks noGrp="1"/>
+          </p:cNvSpPr>
+          <p:nvPr>
+            <p:ph type="body" idx="1"/>
+          </p:nvPr>
+        </p:nvSpPr>
+        <p:spPr/>
+        <p:txBody>
+          <a:bodyPr>
+            <a:normAutofit/>
+          </a:bodyPr>
+          <a:lstStyle/>
+          <a:p>
+            <a:r>
+              <a:rPr lang="pt-BR" sz="1200" kern="1200" dirty="0" smtClean="0">
+                <a:solidFill>
+                  <a:schemeClr val="tx1"/>
+                </a:solidFill>
+                <a:latin typeface="+mn-lt"/>
+                <a:ea typeface="+mn-ea"/>
+                <a:cs typeface="+mn-cs"/>
+              </a:rPr>
+              <a:t>É um sistema embarcado que atua diretamente nas cargas. Ele recebe os dígitos vindos do MS do usuário e apresenta-os no </a:t>
+            </a:r>
+            <a:r>
+              <a:rPr lang="pt-BR" sz="1200" i="1" kern="1200" dirty="0" smtClean="0">
+                <a:solidFill>
+                  <a:schemeClr val="tx1"/>
+                </a:solidFill>
+                <a:latin typeface="+mn-lt"/>
+                <a:ea typeface="+mn-ea"/>
+                <a:cs typeface="+mn-cs"/>
+              </a:rPr>
+              <a:t>display</a:t>
+            </a:r>
+            <a:r>
+              <a:rPr lang="pt-BR" sz="1200" kern="1200" dirty="0" smtClean="0">
+                <a:solidFill>
+                  <a:schemeClr val="tx1"/>
+                </a:solidFill>
+                <a:latin typeface="+mn-lt"/>
+                <a:ea typeface="+mn-ea"/>
+                <a:cs typeface="+mn-cs"/>
+              </a:rPr>
+              <a:t> LCD 16x2; faz a simulação de atuação de uma carga através de um LED e envia para o gerenciador o </a:t>
+            </a:r>
+            <a:r>
+              <a:rPr lang="pt-BR" sz="1200" i="1" kern="1200" dirty="0" smtClean="0">
+                <a:solidFill>
+                  <a:schemeClr val="tx1"/>
+                </a:solidFill>
+                <a:latin typeface="+mn-lt"/>
+                <a:ea typeface="+mn-ea"/>
+                <a:cs typeface="+mn-cs"/>
+              </a:rPr>
+              <a:t>status </a:t>
+            </a:r>
+            <a:r>
+              <a:rPr lang="pt-BR" sz="1200" kern="1200" dirty="0" smtClean="0">
+                <a:solidFill>
+                  <a:schemeClr val="tx1"/>
+                </a:solidFill>
+                <a:latin typeface="+mn-lt"/>
+                <a:ea typeface="+mn-ea"/>
+                <a:cs typeface="+mn-cs"/>
+              </a:rPr>
+              <a:t>desse LED, quando solicitado pelo usuário. Utilizou-se como recurso de </a:t>
+            </a:r>
+            <a:r>
+              <a:rPr lang="pt-BR" sz="1200" i="1" kern="1200" dirty="0" smtClean="0">
+                <a:solidFill>
+                  <a:schemeClr val="tx1"/>
+                </a:solidFill>
+                <a:latin typeface="+mn-lt"/>
+                <a:ea typeface="+mn-ea"/>
+                <a:cs typeface="+mn-cs"/>
+              </a:rPr>
+              <a:t>hardware</a:t>
+            </a:r>
+            <a:r>
+              <a:rPr lang="pt-BR" sz="1200" kern="1200" dirty="0" smtClean="0">
+                <a:solidFill>
+                  <a:schemeClr val="tx1"/>
+                </a:solidFill>
+                <a:latin typeface="+mn-lt"/>
+                <a:ea typeface="+mn-ea"/>
+                <a:cs typeface="+mn-cs"/>
+              </a:rPr>
+              <a:t> o Kit MCU, apresentado na seção de recursos utilizados. A arquitetura do </a:t>
+            </a:r>
+            <a:r>
+              <a:rPr lang="pt-BR" sz="1200" i="1" kern="1200" dirty="0" smtClean="0">
+                <a:solidFill>
+                  <a:schemeClr val="tx1"/>
+                </a:solidFill>
+                <a:latin typeface="+mn-lt"/>
+                <a:ea typeface="+mn-ea"/>
+                <a:cs typeface="+mn-cs"/>
+              </a:rPr>
+              <a:t>software</a:t>
+            </a:r>
+            <a:r>
+              <a:rPr lang="pt-BR" sz="1200" kern="1200" dirty="0" smtClean="0">
+                <a:solidFill>
+                  <a:schemeClr val="tx1"/>
+                </a:solidFill>
+                <a:latin typeface="+mn-lt"/>
+                <a:ea typeface="+mn-ea"/>
+                <a:cs typeface="+mn-cs"/>
+              </a:rPr>
+              <a:t> do sistema de recepção </a:t>
+            </a:r>
+            <a:r>
+              <a:rPr lang="pt-BR" sz="1200" kern="1200" dirty="0" err="1" smtClean="0">
+                <a:solidFill>
+                  <a:schemeClr val="tx1"/>
+                </a:solidFill>
+                <a:latin typeface="+mn-lt"/>
+                <a:ea typeface="+mn-ea"/>
+                <a:cs typeface="+mn-cs"/>
+              </a:rPr>
+              <a:t>microcontrolado</a:t>
+            </a:r>
+            <a:r>
+              <a:rPr lang="pt-BR" sz="1200" kern="1200" dirty="0" smtClean="0">
+                <a:solidFill>
+                  <a:schemeClr val="tx1"/>
+                </a:solidFill>
+                <a:latin typeface="+mn-lt"/>
+                <a:ea typeface="+mn-ea"/>
+                <a:cs typeface="+mn-cs"/>
+              </a:rPr>
+              <a:t> é apresentada na Figura 19 e seu desenvolvimento teve sua codificação feita na linguagem C no </a:t>
+            </a:r>
+            <a:r>
+              <a:rPr lang="pt-BR" sz="1200" i="1" kern="1200" dirty="0" smtClean="0">
+                <a:solidFill>
+                  <a:schemeClr val="tx1"/>
+                </a:solidFill>
+                <a:latin typeface="+mn-lt"/>
+                <a:ea typeface="+mn-ea"/>
+                <a:cs typeface="+mn-cs"/>
+              </a:rPr>
+              <a:t>software </a:t>
+            </a:r>
+            <a:r>
+              <a:rPr lang="pt-BR" sz="1200" kern="1200" dirty="0" smtClean="0">
+                <a:solidFill>
+                  <a:schemeClr val="tx1"/>
+                </a:solidFill>
+                <a:latin typeface="+mn-lt"/>
+                <a:ea typeface="+mn-ea"/>
+                <a:cs typeface="+mn-cs"/>
+              </a:rPr>
+              <a:t>de desenvolvimento </a:t>
+            </a:r>
+            <a:r>
+              <a:rPr lang="pt-BR" sz="1200" i="1" kern="1200" dirty="0" err="1" smtClean="0">
+                <a:solidFill>
+                  <a:schemeClr val="tx1"/>
+                </a:solidFill>
+                <a:latin typeface="+mn-lt"/>
+                <a:ea typeface="+mn-ea"/>
+                <a:cs typeface="+mn-cs"/>
+              </a:rPr>
+              <a:t>CrossWorks</a:t>
+            </a:r>
+            <a:r>
+              <a:rPr lang="pt-BR" sz="1200" kern="1200" dirty="0" smtClean="0">
+                <a:solidFill>
+                  <a:schemeClr val="tx1"/>
+                </a:solidFill>
+                <a:latin typeface="+mn-lt"/>
+                <a:ea typeface="+mn-ea"/>
+                <a:cs typeface="+mn-cs"/>
+              </a:rPr>
+              <a:t>,</a:t>
+            </a:r>
+            <a:r>
+              <a:rPr lang="pt-BR" sz="1200" i="1" kern="1200" dirty="0" smtClean="0">
+                <a:solidFill>
+                  <a:schemeClr val="tx1"/>
+                </a:solidFill>
+                <a:latin typeface="+mn-lt"/>
+                <a:ea typeface="+mn-ea"/>
+                <a:cs typeface="+mn-cs"/>
+              </a:rPr>
+              <a:t> </a:t>
+            </a:r>
+            <a:r>
+              <a:rPr lang="pt-BR" sz="1200" kern="1200" dirty="0" smtClean="0">
+                <a:solidFill>
+                  <a:schemeClr val="tx1"/>
+                </a:solidFill>
+                <a:latin typeface="+mn-lt"/>
+                <a:ea typeface="+mn-ea"/>
+                <a:cs typeface="+mn-cs"/>
+              </a:rPr>
+              <a:t>da empresa </a:t>
+            </a:r>
+            <a:r>
+              <a:rPr lang="pt-BR" sz="1200" kern="1200" dirty="0" err="1" smtClean="0">
+                <a:solidFill>
+                  <a:schemeClr val="tx1"/>
+                </a:solidFill>
+                <a:latin typeface="+mn-lt"/>
+                <a:ea typeface="+mn-ea"/>
+                <a:cs typeface="+mn-cs"/>
+              </a:rPr>
+              <a:t>Rowley</a:t>
+            </a:r>
+            <a:endParaRPr lang="pt-BR" sz="1200" kern="1200" dirty="0" smtClean="0">
+              <a:solidFill>
+                <a:schemeClr val="tx1"/>
+              </a:solidFill>
+              <a:latin typeface="+mn-lt"/>
+              <a:ea typeface="+mn-ea"/>
+              <a:cs typeface="+mn-cs"/>
+            </a:endParaRPr>
+          </a:p>
+          <a:p>
+            <a:endParaRPr lang="pt-BR" sz="1200" kern="1200" dirty="0" smtClean="0">
+              <a:solidFill>
+                <a:schemeClr val="tx1"/>
+              </a:solidFill>
+              <a:latin typeface="+mn-lt"/>
+              <a:ea typeface="+mn-ea"/>
+              <a:cs typeface="+mn-cs"/>
+            </a:endParaRPr>
+          </a:p>
+          <a:p>
+            <a:pPr lvl="0"/>
+            <a:r>
+              <a:rPr lang="pt-BR" sz="1200" i="1" kern="1200" dirty="0" err="1" smtClean="0">
+                <a:solidFill>
+                  <a:schemeClr val="tx1"/>
+                </a:solidFill>
+                <a:latin typeface="+mn-lt"/>
+                <a:ea typeface="+mn-ea"/>
+                <a:cs typeface="+mn-cs"/>
+              </a:rPr>
+              <a:t>FreeRTOS</a:t>
+            </a:r>
+            <a:r>
+              <a:rPr lang="pt-BR" sz="1200" kern="1200" dirty="0" smtClean="0">
+                <a:solidFill>
+                  <a:schemeClr val="tx1"/>
+                </a:solidFill>
+                <a:latin typeface="+mn-lt"/>
+                <a:ea typeface="+mn-ea"/>
+                <a:cs typeface="+mn-cs"/>
+              </a:rPr>
+              <a:t>: mini </a:t>
+            </a:r>
+            <a:r>
+              <a:rPr lang="pt-BR" sz="1200" i="1" kern="1200" dirty="0" err="1" smtClean="0">
+                <a:solidFill>
+                  <a:schemeClr val="tx1"/>
+                </a:solidFill>
+                <a:latin typeface="+mn-lt"/>
+                <a:ea typeface="+mn-ea"/>
+                <a:cs typeface="+mn-cs"/>
+              </a:rPr>
+              <a:t>kernel</a:t>
+            </a:r>
+            <a:r>
+              <a:rPr lang="pt-BR" sz="1200" i="1" kern="1200" dirty="0" smtClean="0">
+                <a:solidFill>
+                  <a:schemeClr val="tx1"/>
+                </a:solidFill>
+                <a:latin typeface="+mn-lt"/>
+                <a:ea typeface="+mn-ea"/>
+                <a:cs typeface="+mn-cs"/>
+              </a:rPr>
+              <a:t> </a:t>
+            </a:r>
+            <a:r>
+              <a:rPr lang="pt-BR" sz="1200" kern="1200" dirty="0" smtClean="0">
+                <a:solidFill>
+                  <a:schemeClr val="tx1"/>
+                </a:solidFill>
+                <a:latin typeface="+mn-lt"/>
+                <a:ea typeface="+mn-ea"/>
+                <a:cs typeface="+mn-cs"/>
+              </a:rPr>
+              <a:t>de tempo real para pequenos sistemas embarcados que serve de base para as aplicações;</a:t>
+            </a:r>
+          </a:p>
+          <a:p>
+            <a:pPr lvl="0"/>
+            <a:r>
+              <a:rPr lang="pt-BR" sz="1200" i="1" kern="1200" dirty="0" err="1" smtClean="0">
+                <a:solidFill>
+                  <a:schemeClr val="tx1"/>
+                </a:solidFill>
+                <a:latin typeface="+mn-lt"/>
+                <a:ea typeface="+mn-ea"/>
+                <a:cs typeface="+mn-cs"/>
+              </a:rPr>
+              <a:t>uIP</a:t>
+            </a:r>
+            <a:r>
+              <a:rPr lang="pt-BR" sz="1200" kern="1200" dirty="0" smtClean="0">
+                <a:solidFill>
+                  <a:schemeClr val="tx1"/>
+                </a:solidFill>
+                <a:latin typeface="+mn-lt"/>
+                <a:ea typeface="+mn-ea"/>
+                <a:cs typeface="+mn-cs"/>
+              </a:rPr>
+              <a:t>: componente interno do </a:t>
+            </a:r>
+            <a:r>
+              <a:rPr lang="pt-BR" sz="1200" i="1" kern="1200" dirty="0" err="1" smtClean="0">
+                <a:solidFill>
+                  <a:schemeClr val="tx1"/>
+                </a:solidFill>
+                <a:latin typeface="+mn-lt"/>
+                <a:ea typeface="+mn-ea"/>
+                <a:cs typeface="+mn-cs"/>
+              </a:rPr>
+              <a:t>FreeRTOS</a:t>
+            </a:r>
+            <a:r>
+              <a:rPr lang="pt-BR" sz="1200" kern="1200" dirty="0" smtClean="0">
+                <a:solidFill>
+                  <a:schemeClr val="tx1"/>
+                </a:solidFill>
+                <a:latin typeface="+mn-lt"/>
+                <a:ea typeface="+mn-ea"/>
+                <a:cs typeface="+mn-cs"/>
+              </a:rPr>
+              <a:t> que implementa a pilha TCP/IP com baixo uso de memória.</a:t>
+            </a:r>
+          </a:p>
+          <a:p>
+            <a:pPr lvl="0"/>
+            <a:r>
+              <a:rPr lang="pt-BR" sz="1200" kern="1200" dirty="0" smtClean="0">
+                <a:solidFill>
+                  <a:schemeClr val="tx1"/>
+                </a:solidFill>
+                <a:latin typeface="+mn-lt"/>
+                <a:ea typeface="+mn-ea"/>
+                <a:cs typeface="+mn-cs"/>
+              </a:rPr>
+              <a:t>GPIO: entrada e saída de uso geral, do inglês, </a:t>
+            </a:r>
+            <a:r>
+              <a:rPr lang="pt-BR" sz="1200" i="1" kern="1200" dirty="0" smtClean="0">
+                <a:solidFill>
+                  <a:schemeClr val="tx1"/>
+                </a:solidFill>
+                <a:latin typeface="+mn-lt"/>
+                <a:ea typeface="+mn-ea"/>
+                <a:cs typeface="+mn-cs"/>
+              </a:rPr>
+              <a:t>General </a:t>
+            </a:r>
+            <a:r>
+              <a:rPr lang="pt-BR" sz="1200" i="1" kern="1200" dirty="0" err="1" smtClean="0">
+                <a:solidFill>
+                  <a:schemeClr val="tx1"/>
+                </a:solidFill>
+                <a:latin typeface="+mn-lt"/>
+                <a:ea typeface="+mn-ea"/>
+                <a:cs typeface="+mn-cs"/>
+              </a:rPr>
+              <a:t>Purpose</a:t>
+            </a:r>
+            <a:r>
+              <a:rPr lang="pt-BR" sz="1200" i="1" kern="1200" dirty="0" smtClean="0">
+                <a:solidFill>
+                  <a:schemeClr val="tx1"/>
+                </a:solidFill>
+                <a:latin typeface="+mn-lt"/>
+                <a:ea typeface="+mn-ea"/>
+                <a:cs typeface="+mn-cs"/>
+              </a:rPr>
+              <a:t> Input/Output</a:t>
+            </a:r>
+            <a:r>
+              <a:rPr lang="pt-BR" sz="1200" kern="1200" dirty="0" smtClean="0">
+                <a:solidFill>
+                  <a:schemeClr val="tx1"/>
+                </a:solidFill>
+                <a:latin typeface="+mn-lt"/>
+                <a:ea typeface="+mn-ea"/>
+                <a:cs typeface="+mn-cs"/>
+              </a:rPr>
+              <a:t>. Responsável pela interface física com o LED e com o </a:t>
+            </a:r>
+            <a:r>
+              <a:rPr lang="pt-BR" sz="1200" i="1" kern="1200" dirty="0" smtClean="0">
+                <a:solidFill>
+                  <a:schemeClr val="tx1"/>
+                </a:solidFill>
+                <a:latin typeface="+mn-lt"/>
+                <a:ea typeface="+mn-ea"/>
+                <a:cs typeface="+mn-cs"/>
+              </a:rPr>
+              <a:t>display</a:t>
+            </a:r>
+            <a:r>
+              <a:rPr lang="pt-BR" sz="1200" kern="1200" dirty="0" smtClean="0">
+                <a:solidFill>
+                  <a:schemeClr val="tx1"/>
+                </a:solidFill>
+                <a:latin typeface="+mn-lt"/>
+                <a:ea typeface="+mn-ea"/>
+                <a:cs typeface="+mn-cs"/>
+              </a:rPr>
+              <a:t> LCD 16x2;</a:t>
+            </a:r>
+          </a:p>
+          <a:p>
+            <a:r>
+              <a:rPr lang="pt-BR" sz="1200" kern="1200" dirty="0" smtClean="0">
+                <a:solidFill>
+                  <a:schemeClr val="tx1"/>
+                </a:solidFill>
+                <a:latin typeface="+mn-lt"/>
+                <a:ea typeface="+mn-ea"/>
+                <a:cs typeface="+mn-cs"/>
+              </a:rPr>
+              <a:t>Aplicação: é a camada de alto nível do </a:t>
+            </a:r>
+            <a:r>
+              <a:rPr lang="pt-BR" sz="1200" i="1" kern="1200" dirty="0" smtClean="0">
+                <a:solidFill>
+                  <a:schemeClr val="tx1"/>
+                </a:solidFill>
+                <a:latin typeface="+mn-lt"/>
+                <a:ea typeface="+mn-ea"/>
+                <a:cs typeface="+mn-cs"/>
+              </a:rPr>
+              <a:t>firmware</a:t>
+            </a:r>
+            <a:r>
+              <a:rPr lang="pt-BR" sz="1200" kern="1200" dirty="0" smtClean="0">
+                <a:solidFill>
+                  <a:schemeClr val="tx1"/>
+                </a:solidFill>
+                <a:latin typeface="+mn-lt"/>
+                <a:ea typeface="+mn-ea"/>
+                <a:cs typeface="+mn-cs"/>
+              </a:rPr>
+              <a:t>, que decodifica os dados vindos pela rede; altera o estado do LED e comunica com o </a:t>
+            </a:r>
+            <a:r>
+              <a:rPr lang="pt-BR" sz="1200" i="1" kern="1200" dirty="0" smtClean="0">
+                <a:solidFill>
+                  <a:schemeClr val="tx1"/>
+                </a:solidFill>
+                <a:latin typeface="+mn-lt"/>
+                <a:ea typeface="+mn-ea"/>
+                <a:cs typeface="+mn-cs"/>
+              </a:rPr>
+              <a:t>display</a:t>
+            </a:r>
+            <a:r>
+              <a:rPr lang="pt-BR" sz="1200" kern="1200" dirty="0" smtClean="0">
+                <a:solidFill>
+                  <a:schemeClr val="tx1"/>
+                </a:solidFill>
+                <a:latin typeface="+mn-lt"/>
+                <a:ea typeface="+mn-ea"/>
+                <a:cs typeface="+mn-cs"/>
+              </a:rPr>
+              <a:t> LCD utilizando os </a:t>
+            </a:r>
+            <a:r>
+              <a:rPr lang="pt-BR" sz="1200" kern="1200" dirty="0" err="1" smtClean="0">
+                <a:solidFill>
+                  <a:schemeClr val="tx1"/>
+                </a:solidFill>
+                <a:latin typeface="+mn-lt"/>
+                <a:ea typeface="+mn-ea"/>
+                <a:cs typeface="+mn-cs"/>
+              </a:rPr>
+              <a:t>GPIOs</a:t>
+            </a:r>
+            <a:r>
+              <a:rPr lang="pt-BR" sz="1200" kern="1200" dirty="0" smtClean="0">
+                <a:solidFill>
+                  <a:schemeClr val="tx1"/>
+                </a:solidFill>
+                <a:latin typeface="+mn-lt"/>
+                <a:ea typeface="+mn-ea"/>
+                <a:cs typeface="+mn-cs"/>
+              </a:rPr>
+              <a:t> do </a:t>
+            </a:r>
+            <a:r>
+              <a:rPr lang="pt-BR" sz="1200" kern="1200" dirty="0" err="1" smtClean="0">
+                <a:solidFill>
+                  <a:schemeClr val="tx1"/>
+                </a:solidFill>
+                <a:latin typeface="+mn-lt"/>
+                <a:ea typeface="+mn-ea"/>
+                <a:cs typeface="+mn-cs"/>
+              </a:rPr>
+              <a:t>microcontrolador</a:t>
+            </a:r>
+            <a:endParaRPr lang="pt-BR" dirty="0"/>
+          </a:p>
+        </p:txBody>
+      </p:sp>
+      <p:sp>
+        <p:nvSpPr>
+          <p:cNvPr id="4" name="Espaço Reservado para Número de Slide 3"/>
+          <p:cNvSpPr>
+            <a:spLocks noGrp="1"/>
+          </p:cNvSpPr>
+          <p:nvPr>
+            <p:ph type="sldNum" sz="quarter" idx="10"/>
+          </p:nvPr>
+        </p:nvSpPr>
+        <p:spPr/>
+        <p:txBody>
+          <a:bodyPr/>
+          <a:lstStyle/>
+          <a:p>
+            <a:fld id="{92DCBBAE-0A97-4F96-9884-7A4F5CAD24B6}" type="slidenum">
+              <a:rPr lang="pt-BR" smtClean="0"/>
+              <a:pPr/>
+              <a:t>15</a:t>
+            </a:fld>
+            <a:endParaRPr lang="pt-BR"/>
+          </a:p>
+        </p:txBody>
+      </p:sp>
+    </p:spTree>
+  </p:cSld>
+  <p:clrMapOvr>
+    <a:masterClrMapping/>
+  </p:clrMapOvr>
+</p:notes>
+</file>
+
+<file path=ppt/notesSlides/notesSlide15.xml><?xml version="1.0" encoding="utf-8"?>
+<p:notes xmlns:a="http://schemas.openxmlformats.org/drawingml/2006/main" xmlns:r="http://schemas.openxmlformats.org/officeDocument/2006/relationships" xmlns:p="http://schemas.openxmlformats.org/presentationml/2006/main">
+  <p:cSld>
+    <p:spTree>
+      <p:nvGrpSpPr>
+        <p:cNvPr id="1" name=""/>
+        <p:cNvGrpSpPr/>
+        <p:nvPr/>
+      </p:nvGrpSpPr>
+      <p:grpSpPr>
+        <a:xfrm>
+          <a:off x="0" y="0"/>
+          <a:ext cx="0" cy="0"/>
+          <a:chOff x="0" y="0"/>
+          <a:chExt cx="0" cy="0"/>
+        </a:xfrm>
+      </p:grpSpPr>
+      <p:sp>
+        <p:nvSpPr>
+          <p:cNvPr id="2" name="Espaço Reservado para Imagem de Slide 1"/>
+          <p:cNvSpPr>
+            <a:spLocks noGrp="1" noRot="1" noChangeAspect="1"/>
+          </p:cNvSpPr>
+          <p:nvPr>
+            <p:ph type="sldImg"/>
+          </p:nvPr>
+        </p:nvSpPr>
+        <p:spPr/>
+      </p:sp>
+      <p:sp>
+        <p:nvSpPr>
+          <p:cNvPr id="3" name="Espaço Reservado para Anotações 2"/>
+          <p:cNvSpPr>
+            <a:spLocks noGrp="1"/>
+          </p:cNvSpPr>
+          <p:nvPr>
+            <p:ph type="body" idx="1"/>
+          </p:nvPr>
+        </p:nvSpPr>
+        <p:spPr/>
+        <p:txBody>
+          <a:bodyPr>
+            <a:normAutofit/>
+          </a:bodyPr>
+          <a:lstStyle/>
+          <a:p>
+            <a:pPr lvl="0"/>
+            <a:r>
+              <a:rPr lang="pt-BR" sz="1200" kern="1200" dirty="0" smtClean="0">
+                <a:solidFill>
+                  <a:schemeClr val="tx1"/>
+                </a:solidFill>
+                <a:latin typeface="+mn-lt"/>
+                <a:ea typeface="+mn-ea"/>
+                <a:cs typeface="+mn-cs"/>
+              </a:rPr>
+              <a:t>Configurou-se a IVR no </a:t>
+            </a:r>
+            <a:r>
+              <a:rPr lang="pt-BR" sz="1200" i="1" kern="1200" dirty="0" err="1" smtClean="0">
+                <a:solidFill>
+                  <a:schemeClr val="tx1"/>
+                </a:solidFill>
+                <a:latin typeface="+mn-lt"/>
+                <a:ea typeface="+mn-ea"/>
+                <a:cs typeface="+mn-cs"/>
+              </a:rPr>
+              <a:t>Asterisk</a:t>
+            </a:r>
+            <a:r>
+              <a:rPr lang="pt-BR" sz="1200" kern="1200" dirty="0" smtClean="0">
+                <a:solidFill>
+                  <a:schemeClr val="tx1"/>
+                </a:solidFill>
+                <a:latin typeface="+mn-lt"/>
+                <a:ea typeface="+mn-ea"/>
+                <a:cs typeface="+mn-cs"/>
+              </a:rPr>
+              <a:t> para atender qualquer chamada realizada para o número 2010 e para reproduzir o áudio para cada tom DTMF digitado;</a:t>
+            </a:r>
+          </a:p>
+          <a:p>
+            <a:pPr lvl="0"/>
+            <a:r>
+              <a:rPr lang="pt-BR" sz="1200" kern="1200" dirty="0" smtClean="0">
+                <a:solidFill>
+                  <a:schemeClr val="tx1"/>
+                </a:solidFill>
+                <a:latin typeface="+mn-lt"/>
+                <a:ea typeface="+mn-ea"/>
+                <a:cs typeface="+mn-cs"/>
+              </a:rPr>
+              <a:t>Acessou-se a interface </a:t>
+            </a:r>
+            <a:r>
+              <a:rPr lang="pt-BR" sz="1200" i="1" kern="1200" dirty="0" smtClean="0">
+                <a:solidFill>
+                  <a:schemeClr val="tx1"/>
+                </a:solidFill>
+                <a:latin typeface="+mn-lt"/>
+                <a:ea typeface="+mn-ea"/>
+                <a:cs typeface="+mn-cs"/>
+              </a:rPr>
+              <a:t>web</a:t>
+            </a:r>
+            <a:r>
+              <a:rPr lang="pt-BR" sz="1200" kern="1200" dirty="0" smtClean="0">
+                <a:solidFill>
+                  <a:schemeClr val="tx1"/>
+                </a:solidFill>
+                <a:latin typeface="+mn-lt"/>
+                <a:ea typeface="+mn-ea"/>
+                <a:cs typeface="+mn-cs"/>
+              </a:rPr>
+              <a:t> do equipamento </a:t>
+            </a:r>
+            <a:r>
+              <a:rPr lang="pt-BR" sz="1200" kern="1200" dirty="0" err="1" smtClean="0">
+                <a:solidFill>
+                  <a:schemeClr val="tx1"/>
+                </a:solidFill>
+                <a:latin typeface="+mn-lt"/>
+                <a:ea typeface="+mn-ea"/>
+                <a:cs typeface="+mn-cs"/>
+              </a:rPr>
+              <a:t>NGCell</a:t>
+            </a:r>
+            <a:r>
+              <a:rPr lang="pt-BR" sz="1200" kern="1200" dirty="0" smtClean="0">
+                <a:solidFill>
+                  <a:schemeClr val="tx1"/>
+                </a:solidFill>
+                <a:latin typeface="+mn-lt"/>
+                <a:ea typeface="+mn-ea"/>
+                <a:cs typeface="+mn-cs"/>
+              </a:rPr>
+              <a:t> para cadastrar o SIM;</a:t>
+            </a:r>
+          </a:p>
+          <a:p>
+            <a:pPr lvl="0"/>
+            <a:r>
+              <a:rPr lang="pt-BR" sz="1200" kern="1200" dirty="0" smtClean="0">
+                <a:solidFill>
+                  <a:schemeClr val="tx1"/>
+                </a:solidFill>
+                <a:latin typeface="+mn-lt"/>
+                <a:ea typeface="+mn-ea"/>
+                <a:cs typeface="+mn-cs"/>
+              </a:rPr>
+              <a:t>Efetuou-se o registro do MS com o SIM cadastrado na rede GSM do sistema;</a:t>
+            </a:r>
+          </a:p>
+          <a:p>
+            <a:pPr lvl="0"/>
+            <a:r>
+              <a:rPr lang="pt-BR" sz="1200" kern="1200" dirty="0" smtClean="0">
+                <a:solidFill>
+                  <a:schemeClr val="tx1"/>
+                </a:solidFill>
+                <a:latin typeface="+mn-lt"/>
+                <a:ea typeface="+mn-ea"/>
+                <a:cs typeface="+mn-cs"/>
+              </a:rPr>
+              <a:t>Discou-se para o número configurado na IVR;</a:t>
+            </a:r>
+          </a:p>
+          <a:p>
+            <a:pPr lvl="0"/>
+            <a:r>
+              <a:rPr lang="pt-BR" sz="1200" kern="1200" dirty="0" smtClean="0">
+                <a:solidFill>
+                  <a:schemeClr val="tx1"/>
+                </a:solidFill>
+                <a:latin typeface="+mn-lt"/>
+                <a:ea typeface="+mn-ea"/>
+                <a:cs typeface="+mn-cs"/>
+              </a:rPr>
+              <a:t>Com a chamada estabelecida, enviaram-se os seguintes comandos:</a:t>
+            </a:r>
+          </a:p>
+          <a:p>
+            <a:pPr lvl="1"/>
+            <a:r>
+              <a:rPr lang="pt-BR" sz="1200" kern="1200" dirty="0" smtClean="0">
+                <a:solidFill>
+                  <a:schemeClr val="tx1"/>
+                </a:solidFill>
+                <a:latin typeface="+mn-lt"/>
+                <a:ea typeface="+mn-ea"/>
+                <a:cs typeface="+mn-cs"/>
+              </a:rPr>
+              <a:t>DTMF 0: acender o LED;</a:t>
+            </a:r>
+          </a:p>
+          <a:p>
+            <a:pPr lvl="1"/>
+            <a:r>
+              <a:rPr lang="pt-BR" sz="1200" kern="1200" dirty="0" smtClean="0">
+                <a:solidFill>
+                  <a:schemeClr val="tx1"/>
+                </a:solidFill>
+                <a:latin typeface="+mn-lt"/>
+                <a:ea typeface="+mn-ea"/>
+                <a:cs typeface="+mn-cs"/>
+              </a:rPr>
+              <a:t>DTMF 1: apagar o LED;</a:t>
+            </a:r>
+          </a:p>
+          <a:p>
+            <a:pPr lvl="1"/>
+            <a:r>
+              <a:rPr lang="pt-BR" sz="1200" kern="1200" dirty="0" smtClean="0">
+                <a:solidFill>
+                  <a:schemeClr val="tx1"/>
+                </a:solidFill>
+                <a:latin typeface="+mn-lt"/>
+                <a:ea typeface="+mn-ea"/>
+                <a:cs typeface="+mn-cs"/>
+              </a:rPr>
+              <a:t>DTMF 2: requisitar o estado do LED.</a:t>
+            </a:r>
+          </a:p>
+          <a:p>
+            <a:pPr lvl="0"/>
+            <a:r>
+              <a:rPr lang="pt-BR" sz="1200" kern="1200" dirty="0" smtClean="0">
+                <a:solidFill>
+                  <a:schemeClr val="tx1"/>
+                </a:solidFill>
+                <a:latin typeface="+mn-lt"/>
+                <a:ea typeface="+mn-ea"/>
+                <a:cs typeface="+mn-cs"/>
+              </a:rPr>
+              <a:t>Verificou-se no </a:t>
+            </a:r>
+            <a:r>
+              <a:rPr lang="pt-BR" sz="1200" i="1" kern="1200" dirty="0" smtClean="0">
+                <a:solidFill>
+                  <a:schemeClr val="tx1"/>
+                </a:solidFill>
+                <a:latin typeface="+mn-lt"/>
+                <a:ea typeface="+mn-ea"/>
+                <a:cs typeface="+mn-cs"/>
+              </a:rPr>
+              <a:t>display</a:t>
+            </a:r>
+            <a:r>
+              <a:rPr lang="pt-BR" sz="1200" kern="1200" dirty="0" smtClean="0">
+                <a:solidFill>
+                  <a:schemeClr val="tx1"/>
+                </a:solidFill>
+                <a:latin typeface="+mn-lt"/>
+                <a:ea typeface="+mn-ea"/>
+                <a:cs typeface="+mn-cs"/>
+              </a:rPr>
+              <a:t> LCD se os dígitos pressionados estão sendo apresentados;</a:t>
+            </a:r>
+          </a:p>
+          <a:p>
+            <a:pPr lvl="0"/>
+            <a:r>
+              <a:rPr lang="pt-BR" sz="1200" kern="1200" dirty="0" smtClean="0">
+                <a:solidFill>
+                  <a:schemeClr val="tx1"/>
+                </a:solidFill>
+                <a:latin typeface="+mn-lt"/>
+                <a:ea typeface="+mn-ea"/>
+                <a:cs typeface="+mn-cs"/>
+              </a:rPr>
+              <a:t>Verificou-se o LED aceso após pressionar o DTMF 1 e o LED apagado após pressionar o DTMF 0;</a:t>
+            </a:r>
+          </a:p>
+          <a:p>
+            <a:pPr lvl="0"/>
+            <a:r>
+              <a:rPr lang="pt-BR" sz="1200" kern="1200" dirty="0" smtClean="0">
+                <a:solidFill>
+                  <a:schemeClr val="tx1"/>
+                </a:solidFill>
+                <a:latin typeface="+mn-lt"/>
+                <a:ea typeface="+mn-ea"/>
+                <a:cs typeface="+mn-cs"/>
+              </a:rPr>
+              <a:t>Aguardou-se o envio do SMS após requisitá-lo com o DTMF 2.</a:t>
+            </a:r>
+          </a:p>
+          <a:p>
+            <a:endParaRPr lang="pt-BR" dirty="0" smtClean="0">
+              <a:latin typeface="Arial" pitchFamily="34" charset="0"/>
+              <a:cs typeface="Arial" pitchFamily="34" charset="0"/>
+            </a:endParaRPr>
+          </a:p>
+          <a:p>
+            <a:endParaRPr lang="pt-BR" dirty="0" smtClean="0">
+              <a:latin typeface="Arial" pitchFamily="34" charset="0"/>
+              <a:cs typeface="Arial" pitchFamily="34" charset="0"/>
+            </a:endParaRPr>
+          </a:p>
+          <a:p>
+            <a:r>
+              <a:rPr lang="pt-BR" dirty="0" smtClean="0">
+                <a:latin typeface="Arial" pitchFamily="34" charset="0"/>
+                <a:cs typeface="Arial" pitchFamily="34" charset="0"/>
+              </a:rPr>
+              <a:t>Os </a:t>
+            </a:r>
+            <a:r>
+              <a:rPr lang="pt-BR" dirty="0" smtClean="0">
+                <a:latin typeface="Arial" pitchFamily="34" charset="0"/>
+                <a:cs typeface="Arial" pitchFamily="34" charset="0"/>
+              </a:rPr>
+              <a:t>testes realizados com o sistema funcionaram de acordo com o esperado, conseguiu-se montar uma rede totalmente isolada, fazer as chamadas, enviar os comandos para desligar, desligar e requisitar o estado do LED, mesmo com um pequeno atraso para receber a mensagem de texto, tudo isso sem custo algum para o usuário</a:t>
+            </a:r>
+            <a:endParaRPr lang="pt-BR" dirty="0"/>
+          </a:p>
+        </p:txBody>
+      </p:sp>
+      <p:sp>
+        <p:nvSpPr>
+          <p:cNvPr id="4" name="Espaço Reservado para Número de Slide 3"/>
+          <p:cNvSpPr>
+            <a:spLocks noGrp="1"/>
+          </p:cNvSpPr>
+          <p:nvPr>
+            <p:ph type="sldNum" sz="quarter" idx="10"/>
+          </p:nvPr>
+        </p:nvSpPr>
+        <p:spPr/>
+        <p:txBody>
+          <a:bodyPr/>
+          <a:lstStyle/>
+          <a:p>
+            <a:fld id="{92DCBBAE-0A97-4F96-9884-7A4F5CAD24B6}" type="slidenum">
+              <a:rPr lang="pt-BR" smtClean="0"/>
+              <a:pPr/>
+              <a:t>16</a:t>
+            </a:fld>
+            <a:endParaRPr lang="pt-BR"/>
+          </a:p>
+        </p:txBody>
+      </p:sp>
+    </p:spTree>
+  </p:cSld>
+  <p:clrMapOvr>
+    <a:masterClrMapping/>
+  </p:clrMapOvr>
+</p:notes>
+</file>
+
+<file path=ppt/notesSlides/notesSlide16.xml><?xml version="1.0" encoding="utf-8"?>
+<p:notes xmlns:a="http://schemas.openxmlformats.org/drawingml/2006/main" xmlns:r="http://schemas.openxmlformats.org/officeDocument/2006/relationships" xmlns:p="http://schemas.openxmlformats.org/presentationml/2006/main">
+  <p:cSld>
+    <p:spTree>
+      <p:nvGrpSpPr>
+        <p:cNvPr id="1" name=""/>
+        <p:cNvGrpSpPr/>
+        <p:nvPr/>
+      </p:nvGrpSpPr>
+      <p:grpSpPr>
+        <a:xfrm>
+          <a:off x="0" y="0"/>
+          <a:ext cx="0" cy="0"/>
+          <a:chOff x="0" y="0"/>
+          <a:chExt cx="0" cy="0"/>
+        </a:xfrm>
+      </p:grpSpPr>
+      <p:sp>
+        <p:nvSpPr>
+          <p:cNvPr id="2" name="Espaço Reservado para Imagem de Slide 1"/>
+          <p:cNvSpPr>
+            <a:spLocks noGrp="1" noRot="1" noChangeAspect="1"/>
+          </p:cNvSpPr>
+          <p:nvPr>
+            <p:ph type="sldImg"/>
+          </p:nvPr>
+        </p:nvSpPr>
+        <p:spPr/>
+      </p:sp>
+      <p:sp>
+        <p:nvSpPr>
+          <p:cNvPr id="3" name="Espaço Reservado para Anotações 2"/>
+          <p:cNvSpPr>
+            <a:spLocks noGrp="1"/>
+          </p:cNvSpPr>
+          <p:nvPr>
+            <p:ph type="body" idx="1"/>
+          </p:nvPr>
+        </p:nvSpPr>
+        <p:spPr/>
+        <p:txBody>
+          <a:bodyPr>
+            <a:normAutofit/>
+          </a:bodyPr>
+          <a:lstStyle/>
+          <a:p>
             <a:endParaRPr lang="pt-BR" dirty="0"/>
           </a:p>
         </p:txBody>
@@ -3501,7 +5406,7 @@
             <a:fld id="{29F8B47F-980B-4E14-A43F-55D6BB94575F}" type="datetime1">
               <a:rPr lang="pt-BR" smtClean="0"/>
               <a:pPr/>
-              <a:t>4/7/2011</a:t>
+              <a:t>04/07/2011</a:t>
             </a:fld>
             <a:endParaRPr lang="pt-BR"/>
           </a:p>
@@ -3668,7 +5573,7 @@
             <a:fld id="{091E2EB4-DB5F-4398-986C-3395297E4207}" type="datetime1">
               <a:rPr lang="pt-BR" smtClean="0"/>
               <a:pPr/>
-              <a:t>4/7/2011</a:t>
+              <a:t>04/07/2011</a:t>
             </a:fld>
             <a:endParaRPr lang="pt-BR"/>
           </a:p>
@@ -3845,7 +5750,7 @@
             <a:fld id="{0AB4ADD2-DAAC-4649-98E1-C48131433A86}" type="datetime1">
               <a:rPr lang="pt-BR" smtClean="0"/>
               <a:pPr/>
-              <a:t>4/7/2011</a:t>
+              <a:t>04/07/2011</a:t>
             </a:fld>
             <a:endParaRPr lang="pt-BR"/>
           </a:p>
@@ -4012,7 +5917,7 @@
             <a:fld id="{27ACAA1A-D992-4E9B-9F61-CEB111E29124}" type="datetime1">
               <a:rPr lang="pt-BR" smtClean="0"/>
               <a:pPr/>
-              <a:t>4/7/2011</a:t>
+              <a:t>04/07/2011</a:t>
             </a:fld>
             <a:endParaRPr lang="pt-BR"/>
           </a:p>
@@ -4255,7 +6160,7 @@
             <a:fld id="{969A3B3D-9F4E-49A5-A34D-EA22113C6702}" type="datetime1">
               <a:rPr lang="pt-BR" smtClean="0"/>
               <a:pPr/>
-              <a:t>4/7/2011</a:t>
+              <a:t>04/07/2011</a:t>
             </a:fld>
             <a:endParaRPr lang="pt-BR"/>
           </a:p>
@@ -4540,7 +6445,7 @@
             <a:fld id="{0BBF3E65-2685-4395-8C93-E0B14AEDC616}" type="datetime1">
               <a:rPr lang="pt-BR" smtClean="0"/>
               <a:pPr/>
-              <a:t>4/7/2011</a:t>
+              <a:t>04/07/2011</a:t>
             </a:fld>
             <a:endParaRPr lang="pt-BR"/>
           </a:p>
@@ -4959,7 +6864,7 @@
             <a:fld id="{3071945A-23CD-46CF-8118-3346900D100B}" type="datetime1">
               <a:rPr lang="pt-BR" smtClean="0"/>
               <a:pPr/>
-              <a:t>4/7/2011</a:t>
+              <a:t>04/07/2011</a:t>
             </a:fld>
             <a:endParaRPr lang="pt-BR"/>
           </a:p>
@@ -5074,7 +6979,7 @@
             <a:fld id="{C2F5FFE1-EA77-497C-A271-EAC09B7C7331}" type="datetime1">
               <a:rPr lang="pt-BR" smtClean="0"/>
               <a:pPr/>
-              <a:t>4/7/2011</a:t>
+              <a:t>04/07/2011</a:t>
             </a:fld>
             <a:endParaRPr lang="pt-BR"/>
           </a:p>
@@ -5166,7 +7071,7 @@
             <a:fld id="{47932D38-3E0D-44D8-A3F3-B0F73F2573F4}" type="datetime1">
               <a:rPr lang="pt-BR" smtClean="0"/>
               <a:pPr/>
-              <a:t>4/7/2011</a:t>
+              <a:t>04/07/2011</a:t>
             </a:fld>
             <a:endParaRPr lang="pt-BR"/>
           </a:p>
@@ -5440,7 +7345,7 @@
             <a:fld id="{0FEEA520-57E8-4399-A012-1342584DD880}" type="datetime1">
               <a:rPr lang="pt-BR" smtClean="0"/>
               <a:pPr/>
-              <a:t>4/7/2011</a:t>
+              <a:t>04/07/2011</a:t>
             </a:fld>
             <a:endParaRPr lang="pt-BR"/>
           </a:p>
@@ -5690,7 +7595,7 @@
             <a:fld id="{95BC7F47-997B-40CB-A2E8-F5377E96EFC9}" type="datetime1">
               <a:rPr lang="pt-BR" smtClean="0"/>
               <a:pPr/>
-              <a:t>4/7/2011</a:t>
+              <a:t>04/07/2011</a:t>
             </a:fld>
             <a:endParaRPr lang="pt-BR"/>
           </a:p>
@@ -5900,7 +7805,7 @@
             <a:fld id="{8E5C2ADB-90FD-4712-A763-800370391805}" type="datetime1">
               <a:rPr lang="pt-BR" smtClean="0"/>
               <a:pPr/>
-              <a:t>4/7/2011</a:t>
+              <a:t>04/07/2011</a:t>
             </a:fld>
             <a:endParaRPr lang="pt-BR"/>
           </a:p>
@@ -6665,7 +8570,41 @@
                 <a:latin typeface="Arial" pitchFamily="34" charset="0"/>
                 <a:cs typeface="Arial" pitchFamily="34" charset="0"/>
               </a:rPr>
-              <a:t>Bibliotecas GNOME.</a:t>
+              <a:t>Bibliotecas </a:t>
+            </a:r>
+            <a:r>
+              <a:rPr lang="pt-BR" dirty="0" smtClean="0">
+                <a:latin typeface="Arial" pitchFamily="34" charset="0"/>
+                <a:cs typeface="Arial" pitchFamily="34" charset="0"/>
+              </a:rPr>
+              <a:t>GNOME:</a:t>
+            </a:r>
+          </a:p>
+          <a:p>
+            <a:pPr lvl="2" algn="just"/>
+            <a:r>
+              <a:rPr lang="pt-BR" dirty="0" err="1" smtClean="0">
+                <a:latin typeface="Arial" pitchFamily="34" charset="0"/>
+                <a:cs typeface="Arial" pitchFamily="34" charset="0"/>
+              </a:rPr>
+              <a:t>GLib</a:t>
+            </a:r>
+            <a:r>
+              <a:rPr lang="pt-BR" dirty="0" smtClean="0">
+                <a:latin typeface="Arial" pitchFamily="34" charset="0"/>
+                <a:cs typeface="Arial" pitchFamily="34" charset="0"/>
+              </a:rPr>
+              <a:t> v2.26.1.</a:t>
+            </a:r>
+          </a:p>
+          <a:p>
+            <a:pPr lvl="2" algn="just"/>
+            <a:r>
+              <a:rPr lang="pt-BR" dirty="0" smtClean="0">
+                <a:latin typeface="Arial" pitchFamily="34" charset="0"/>
+                <a:cs typeface="Arial" pitchFamily="34" charset="0"/>
+              </a:rPr>
+              <a:t>GIO v2.26.1</a:t>
             </a:r>
             <a:endParaRPr lang="pt-BR" dirty="0" smtClean="0">
               <a:latin typeface="Arial" pitchFamily="34" charset="0"/>
@@ -6686,28 +8625,8 @@
                 <a:latin typeface="Arial" pitchFamily="34" charset="0"/>
                 <a:cs typeface="Arial" pitchFamily="34" charset="0"/>
               </a:rPr>
-              <a:t>.</a:t>
-            </a:r>
-          </a:p>
-          <a:p>
-            <a:pPr lvl="1" algn="just"/>
-            <a:r>
-              <a:rPr lang="pt-BR" dirty="0" err="1" smtClean="0">
-                <a:latin typeface="Arial" pitchFamily="34" charset="0"/>
-                <a:cs typeface="Arial" pitchFamily="34" charset="0"/>
-              </a:rPr>
-              <a:t>Asterisk</a:t>
-            </a:r>
-            <a:r>
-              <a:rPr lang="pt-BR" dirty="0" smtClean="0">
-                <a:latin typeface="Arial" pitchFamily="34" charset="0"/>
-                <a:cs typeface="Arial" pitchFamily="34" charset="0"/>
-              </a:rPr>
-              <a:t> .</a:t>
-            </a:r>
-          </a:p>
-          <a:p>
-            <a:pPr lvl="1" algn="just"/>
+              <a:t> v7.0.</a:t>
+            </a:r>
             <a:endParaRPr lang="pt-BR" dirty="0" smtClean="0">
               <a:latin typeface="Arial" pitchFamily="34" charset="0"/>
               <a:cs typeface="Arial" pitchFamily="34" charset="0"/>
@@ -6716,19 +8635,27 @@
           <a:p>
             <a:pPr lvl="1" algn="just"/>
             <a:r>
-              <a:rPr lang="pt-BR" dirty="0" smtClean="0">
-                <a:solidFill>
-                  <a:srgbClr val="FF0000"/>
-                </a:solidFill>
-                <a:latin typeface="Arial" pitchFamily="34" charset="0"/>
-                <a:cs typeface="Arial" pitchFamily="34" charset="0"/>
-              </a:rPr>
-              <a:t>&lt;colocar as versões&gt;</a:t>
+              <a:rPr lang="pt-BR" dirty="0" err="1" smtClean="0">
+                <a:latin typeface="Arial" pitchFamily="34" charset="0"/>
+                <a:cs typeface="Arial" pitchFamily="34" charset="0"/>
+              </a:rPr>
+              <a:t>Asterisk</a:t>
+            </a:r>
+            <a:r>
+              <a:rPr lang="pt-BR" dirty="0" smtClean="0">
+                <a:latin typeface="Arial" pitchFamily="34" charset="0"/>
+                <a:cs typeface="Arial" pitchFamily="34" charset="0"/>
+              </a:rPr>
+              <a:t> </a:t>
+            </a:r>
+            <a:r>
+              <a:rPr lang="pt-BR" dirty="0" smtClean="0">
+                <a:latin typeface="Arial" pitchFamily="34" charset="0"/>
+                <a:cs typeface="Arial" pitchFamily="34" charset="0"/>
+              </a:rPr>
+              <a:t>v1.6.2.</a:t>
             </a:r>
             <a:endParaRPr lang="pt-BR" dirty="0" smtClean="0">
-              <a:solidFill>
-                <a:srgbClr val="FF0000"/>
-              </a:solidFill>
               <a:latin typeface="Arial" pitchFamily="34" charset="0"/>
               <a:cs typeface="Arial" pitchFamily="34" charset="0"/>
             </a:endParaRPr>
@@ -6824,30 +8751,6 @@
       </p:sp>
       <p:sp>
         <p:nvSpPr>
-          <p:cNvPr id="3" name="Espaço Reservado para Conteúdo 2"/>
-          <p:cNvSpPr>
-            <a:spLocks noGrp="1"/>
-          </p:cNvSpPr>
-          <p:nvPr>
-            <p:ph idx="1"/>
-          </p:nvPr>
-        </p:nvSpPr>
-        <p:spPr/>
-        <p:txBody>
-          <a:bodyPr>
-            <a:normAutofit/>
-          </a:bodyPr>
-          <a:lstStyle/>
-          <a:p>
-            <a:endParaRPr lang="pt-BR" dirty="0">
-              <a:latin typeface="Arial" pitchFamily="34" charset="0"/>
-              <a:cs typeface="Arial" pitchFamily="34" charset="0"/>
-            </a:endParaRPr>
-          </a:p>
-        </p:txBody>
-      </p:sp>
-      <p:sp>
-        <p:nvSpPr>
           <p:cNvPr id="4" name="Espaço Reservado para Número de Slide 3"/>
           <p:cNvSpPr>
             <a:spLocks noGrp="1"/>
@@ -6867,6 +8770,68 @@
               <a:t>11</a:t>
             </a:fld>
             <a:endParaRPr lang="pt-BR"/>
+          </a:p>
+        </p:txBody>
+      </p:sp>
+      <p:pic>
+        <p:nvPicPr>
+          <p:cNvPr id="5" name="Espaço Reservado para Conteúdo 4" descr="block_diagram.jpeg"/>
+          <p:cNvPicPr>
+            <a:picLocks noGrp="1"/>
+          </p:cNvPicPr>
+          <p:nvPr>
+            <p:ph idx="1"/>
+          </p:nvPr>
+        </p:nvPicPr>
+        <p:blipFill>
+          <a:blip r:embed="rId3"/>
+          <a:stretch>
+            <a:fillRect/>
+          </a:stretch>
+        </p:blipFill>
+        <p:spPr>
+          <a:xfrm>
+            <a:off x="1615915" y="1600200"/>
+            <a:ext cx="5912169" cy="4525963"/>
+          </a:xfrm>
+          <a:prstGeom prst="rect">
+            <a:avLst/>
+          </a:prstGeom>
+        </p:spPr>
+      </p:pic>
+      <p:sp>
+        <p:nvSpPr>
+          <p:cNvPr id="6" name="Retângulo 5"/>
+          <p:cNvSpPr/>
+          <p:nvPr/>
+        </p:nvSpPr>
+        <p:spPr>
+          <a:xfrm>
+            <a:off x="0" y="6131502"/>
+            <a:ext cx="9144000" cy="369332"/>
+          </a:xfrm>
+          <a:prstGeom prst="rect">
+            <a:avLst/>
+          </a:prstGeom>
+        </p:spPr>
+        <p:txBody>
+          <a:bodyPr wrap="square">
+            <a:spAutoFit/>
+          </a:bodyPr>
+          <a:lstStyle/>
+          <a:p>
+            <a:pPr algn="ctr"/>
+            <a:r>
+              <a:rPr lang="pt-BR" dirty="0" smtClean="0">
+                <a:latin typeface="Arial" pitchFamily="34" charset="0"/>
+                <a:cs typeface="Arial" pitchFamily="34" charset="0"/>
+              </a:rPr>
+              <a:t>FIGURA 15 - Diagrama de blocos lógico do sistema.</a:t>
+            </a:r>
+            <a:endParaRPr lang="pt-BR" dirty="0">
+              <a:latin typeface="Arial" pitchFamily="34" charset="0"/>
+              <a:cs typeface="Arial" pitchFamily="34" charset="0"/>
+            </a:endParaRPr>
           </a:p>
         </p:txBody>
       </p:sp>
@@ -6935,44 +8900,6 @@
       </p:sp>
       <p:sp>
         <p:nvSpPr>
-          <p:cNvPr id="3" name="Espaço Reservado para Conteúdo 2"/>
-          <p:cNvSpPr>
-            <a:spLocks noGrp="1"/>
-          </p:cNvSpPr>
-          <p:nvPr>
-            <p:ph idx="1"/>
-          </p:nvPr>
-        </p:nvSpPr>
-        <p:spPr/>
-        <p:txBody>
-          <a:bodyPr>
-            <a:normAutofit/>
-          </a:bodyPr>
-          <a:lstStyle/>
-          <a:p>
-            <a:r>
-              <a:rPr lang="pt-BR" dirty="0" smtClean="0">
-                <a:latin typeface="Arial" pitchFamily="34" charset="0"/>
-                <a:cs typeface="Arial" pitchFamily="34" charset="0"/>
-              </a:rPr>
-              <a:t>ENGENHARIA DE </a:t>
-            </a:r>
-            <a:r>
-              <a:rPr lang="pt-BR" i="1" dirty="0" smtClean="0">
-                <a:latin typeface="Arial" pitchFamily="34" charset="0"/>
-                <a:cs typeface="Arial" pitchFamily="34" charset="0"/>
-              </a:rPr>
-              <a:t>SOFTWARE</a:t>
-            </a:r>
-            <a:endParaRPr lang="pt-BR" dirty="0">
-              <a:latin typeface="Arial" pitchFamily="34" charset="0"/>
-              <a:cs typeface="Arial" pitchFamily="34" charset="0"/>
-            </a:endParaRPr>
-          </a:p>
-        </p:txBody>
-      </p:sp>
-      <p:sp>
-        <p:nvSpPr>
           <p:cNvPr id="4" name="Espaço Reservado para Número de Slide 3"/>
           <p:cNvSpPr>
             <a:spLocks noGrp="1"/>
@@ -6995,6 +8922,32 @@
           </a:p>
         </p:txBody>
       </p:sp>
+      <p:pic>
+        <p:nvPicPr>
+          <p:cNvPr id="5" name="Espaço Reservado para Conteúdo 4" descr="use.case.jpeg"/>
+          <p:cNvPicPr>
+            <a:picLocks noGrp="1"/>
+          </p:cNvPicPr>
+          <p:nvPr>
+            <p:ph idx="1"/>
+          </p:nvPr>
+        </p:nvPicPr>
+        <p:blipFill>
+          <a:blip r:embed="rId3"/>
+          <a:stretch>
+            <a:fillRect/>
+          </a:stretch>
+        </p:blipFill>
+        <p:spPr>
+          <a:xfrm>
+            <a:off x="1200150" y="1905794"/>
+            <a:ext cx="6743700" cy="3914775"/>
+          </a:xfrm>
+          <a:prstGeom prst="rect">
+            <a:avLst/>
+          </a:prstGeom>
+        </p:spPr>
+      </p:pic>
     </p:spTree>
   </p:cSld>
   <p:clrMapOvr>
@@ -7060,37 +9013,6 @@
       </p:sp>
       <p:sp>
         <p:nvSpPr>
-          <p:cNvPr id="3" name="Espaço Reservado para Conteúdo 2"/>
-          <p:cNvSpPr>
-            <a:spLocks noGrp="1"/>
-          </p:cNvSpPr>
-          <p:nvPr>
-            <p:ph idx="1"/>
-          </p:nvPr>
-        </p:nvSpPr>
-        <p:spPr/>
-        <p:txBody>
-          <a:bodyPr>
-            <a:normAutofit/>
-          </a:bodyPr>
-          <a:lstStyle/>
-          <a:p>
-            <a:r>
-              <a:rPr lang="pt-BR" dirty="0" smtClean="0">
-                <a:latin typeface="Arial" pitchFamily="34" charset="0"/>
-                <a:cs typeface="Arial" pitchFamily="34" charset="0"/>
-              </a:rPr>
-              <a:t>CONCEPÇÃO</a:t>
-            </a:r>
-            <a:endParaRPr lang="pt-BR" dirty="0">
-              <a:latin typeface="Arial" pitchFamily="34" charset="0"/>
-              <a:cs typeface="Arial" pitchFamily="34" charset="0"/>
-            </a:endParaRPr>
-          </a:p>
-        </p:txBody>
-      </p:sp>
-      <p:sp>
-        <p:nvSpPr>
           <p:cNvPr id="4" name="Espaço Reservado para Número de Slide 3"/>
           <p:cNvSpPr>
             <a:spLocks noGrp="1"/>
@@ -7110,6 +9032,82 @@
               <a:t>13</a:t>
             </a:fld>
             <a:endParaRPr lang="pt-BR"/>
+          </a:p>
+        </p:txBody>
+      </p:sp>
+      <p:pic>
+        <p:nvPicPr>
+          <p:cNvPr id="5" name="Espaço Reservado para Conteúdo 4" descr="ngcell.software.architecture.jpeg"/>
+          <p:cNvPicPr>
+            <a:picLocks noGrp="1"/>
+          </p:cNvPicPr>
+          <p:nvPr>
+            <p:ph idx="1"/>
+          </p:nvPr>
+        </p:nvPicPr>
+        <p:blipFill>
+          <a:blip r:embed="rId3"/>
+          <a:stretch>
+            <a:fillRect/>
+          </a:stretch>
+        </p:blipFill>
+        <p:spPr>
+          <a:xfrm>
+            <a:off x="457200" y="2042864"/>
+            <a:ext cx="8229600" cy="3640634"/>
+          </a:xfrm>
+          <a:prstGeom prst="rect">
+            <a:avLst/>
+          </a:prstGeom>
+        </p:spPr>
+      </p:pic>
+      <p:sp>
+        <p:nvSpPr>
+          <p:cNvPr id="6" name="Retângulo 5"/>
+          <p:cNvSpPr/>
+          <p:nvPr/>
+        </p:nvSpPr>
+        <p:spPr>
+          <a:xfrm>
+            <a:off x="0" y="5783065"/>
+            <a:ext cx="9144000" cy="369332"/>
+          </a:xfrm>
+          <a:prstGeom prst="rect">
+            <a:avLst/>
+          </a:prstGeom>
+        </p:spPr>
+        <p:txBody>
+          <a:bodyPr wrap="square">
+            <a:spAutoFit/>
+          </a:bodyPr>
+          <a:lstStyle/>
+          <a:p>
+            <a:pPr algn="ctr"/>
+            <a:r>
+              <a:rPr lang="pt-BR" dirty="0" smtClean="0">
+                <a:latin typeface="Arial" pitchFamily="34" charset="0"/>
+                <a:cs typeface="Arial" pitchFamily="34" charset="0"/>
+              </a:rPr>
+              <a:t>FIGURA 17 - Arquitetura do </a:t>
+            </a:r>
+            <a:r>
+              <a:rPr lang="pt-BR" i="1" dirty="0" smtClean="0">
+                <a:latin typeface="Arial" pitchFamily="34" charset="0"/>
+                <a:cs typeface="Arial" pitchFamily="34" charset="0"/>
+              </a:rPr>
+              <a:t>software</a:t>
+            </a:r>
+            <a:r>
+              <a:rPr lang="pt-BR" dirty="0" smtClean="0">
+                <a:latin typeface="Arial" pitchFamily="34" charset="0"/>
+                <a:cs typeface="Arial" pitchFamily="34" charset="0"/>
+              </a:rPr>
+              <a:t> do sistema de transmissão e recepção GSM.</a:t>
+            </a:r>
+            <a:endParaRPr lang="pt-BR" dirty="0">
+              <a:latin typeface="Arial" pitchFamily="34" charset="0"/>
+              <a:cs typeface="Arial" pitchFamily="34" charset="0"/>
+            </a:endParaRPr>
           </a:p>
         </p:txBody>
       </p:sp>
@@ -7178,44 +9176,6 @@
       </p:sp>
       <p:sp>
         <p:nvSpPr>
-          <p:cNvPr id="3" name="Espaço Reservado para Conteúdo 2"/>
-          <p:cNvSpPr>
-            <a:spLocks noGrp="1"/>
-          </p:cNvSpPr>
-          <p:nvPr>
-            <p:ph idx="1"/>
-          </p:nvPr>
-        </p:nvSpPr>
-        <p:spPr/>
-        <p:txBody>
-          <a:bodyPr>
-            <a:normAutofit/>
-          </a:bodyPr>
-          <a:lstStyle/>
-          <a:p>
-            <a:r>
-              <a:rPr lang="pt-BR" dirty="0" smtClean="0">
-                <a:latin typeface="Arial" pitchFamily="34" charset="0"/>
-                <a:cs typeface="Arial" pitchFamily="34" charset="0"/>
-              </a:rPr>
-              <a:t>REQUISITOS DE </a:t>
-            </a:r>
-            <a:r>
-              <a:rPr lang="pt-BR" i="1" dirty="0" smtClean="0">
-                <a:latin typeface="Arial" pitchFamily="34" charset="0"/>
-                <a:cs typeface="Arial" pitchFamily="34" charset="0"/>
-              </a:rPr>
-              <a:t>SOFTWARE</a:t>
-            </a:r>
-            <a:endParaRPr lang="pt-BR" dirty="0">
-              <a:latin typeface="Arial" pitchFamily="34" charset="0"/>
-              <a:cs typeface="Arial" pitchFamily="34" charset="0"/>
-            </a:endParaRPr>
-          </a:p>
-        </p:txBody>
-      </p:sp>
-      <p:sp>
-        <p:nvSpPr>
           <p:cNvPr id="4" name="Espaço Reservado para Número de Slide 3"/>
           <p:cNvSpPr>
             <a:spLocks noGrp="1"/>
@@ -7235,6 +9195,82 @@
               <a:t>14</a:t>
             </a:fld>
             <a:endParaRPr lang="pt-BR"/>
+          </a:p>
+        </p:txBody>
+      </p:sp>
+      <p:pic>
+        <p:nvPicPr>
+          <p:cNvPr id="5" name="Espaço Reservado para Conteúdo 4" descr="manager.software.architecture.jpeg"/>
+          <p:cNvPicPr>
+            <a:picLocks noGrp="1"/>
+          </p:cNvPicPr>
+          <p:nvPr>
+            <p:ph idx="1"/>
+          </p:nvPr>
+        </p:nvPicPr>
+        <p:blipFill>
+          <a:blip r:embed="rId3"/>
+          <a:stretch>
+            <a:fillRect/>
+          </a:stretch>
+        </p:blipFill>
+        <p:spPr>
+          <a:xfrm>
+            <a:off x="3128962" y="2086769"/>
+            <a:ext cx="2886075" cy="3552825"/>
+          </a:xfrm>
+          <a:prstGeom prst="rect">
+            <a:avLst/>
+          </a:prstGeom>
+        </p:spPr>
+      </p:pic>
+      <p:sp>
+        <p:nvSpPr>
+          <p:cNvPr id="6" name="Retângulo 5"/>
+          <p:cNvSpPr/>
+          <p:nvPr/>
+        </p:nvSpPr>
+        <p:spPr>
+          <a:xfrm>
+            <a:off x="0" y="5568751"/>
+            <a:ext cx="9144000" cy="369332"/>
+          </a:xfrm>
+          <a:prstGeom prst="rect">
+            <a:avLst/>
+          </a:prstGeom>
+        </p:spPr>
+        <p:txBody>
+          <a:bodyPr wrap="square">
+            <a:spAutoFit/>
+          </a:bodyPr>
+          <a:lstStyle/>
+          <a:p>
+            <a:pPr algn="ctr"/>
+            <a:r>
+              <a:rPr lang="pt-BR" dirty="0" smtClean="0">
+                <a:latin typeface="Arial" pitchFamily="34" charset="0"/>
+                <a:cs typeface="Arial" pitchFamily="34" charset="0"/>
+              </a:rPr>
+              <a:t>FIGURA 18 - Arquitetura do </a:t>
+            </a:r>
+            <a:r>
+              <a:rPr lang="pt-BR" i="1" dirty="0" smtClean="0">
+                <a:latin typeface="Arial" pitchFamily="34" charset="0"/>
+                <a:cs typeface="Arial" pitchFamily="34" charset="0"/>
+              </a:rPr>
+              <a:t>software</a:t>
+            </a:r>
+            <a:r>
+              <a:rPr lang="pt-BR" dirty="0" smtClean="0">
+                <a:latin typeface="Arial" pitchFamily="34" charset="0"/>
+                <a:cs typeface="Arial" pitchFamily="34" charset="0"/>
+              </a:rPr>
+              <a:t> do sistema gerenciador de dados.</a:t>
+            </a:r>
+            <a:endParaRPr lang="pt-BR" dirty="0">
+              <a:latin typeface="Arial" pitchFamily="34" charset="0"/>
+              <a:cs typeface="Arial" pitchFamily="34" charset="0"/>
+            </a:endParaRPr>
           </a:p>
         </p:txBody>
       </p:sp>
@@ -7303,37 +9339,6 @@
       </p:sp>
       <p:sp>
         <p:nvSpPr>
-          <p:cNvPr id="3" name="Espaço Reservado para Conteúdo 2"/>
-          <p:cNvSpPr>
-            <a:spLocks noGrp="1"/>
-          </p:cNvSpPr>
-          <p:nvPr>
-            <p:ph idx="1"/>
-          </p:nvPr>
-        </p:nvSpPr>
-        <p:spPr/>
-        <p:txBody>
-          <a:bodyPr>
-            <a:normAutofit/>
-          </a:bodyPr>
-          <a:lstStyle/>
-          <a:p>
-            <a:r>
-              <a:rPr lang="pt-BR" dirty="0" smtClean="0">
-                <a:latin typeface="Arial" pitchFamily="34" charset="0"/>
-                <a:cs typeface="Arial" pitchFamily="34" charset="0"/>
-              </a:rPr>
-              <a:t>MODELAGEM</a:t>
-            </a:r>
-            <a:endParaRPr lang="pt-BR" dirty="0">
-              <a:latin typeface="Arial" pitchFamily="34" charset="0"/>
-              <a:cs typeface="Arial" pitchFamily="34" charset="0"/>
-            </a:endParaRPr>
-          </a:p>
-        </p:txBody>
-      </p:sp>
-      <p:sp>
-        <p:nvSpPr>
           <p:cNvPr id="4" name="Espaço Reservado para Número de Slide 3"/>
           <p:cNvSpPr>
             <a:spLocks noGrp="1"/>
@@ -7353,6 +9358,96 @@
               <a:t>15</a:t>
             </a:fld>
             <a:endParaRPr lang="pt-BR"/>
+          </a:p>
+        </p:txBody>
+      </p:sp>
+      <p:pic>
+        <p:nvPicPr>
+          <p:cNvPr id="5" name="Espaço Reservado para Conteúdo 4" descr="kitmcu.software.architecture.jpeg"/>
+          <p:cNvPicPr>
+            <a:picLocks noGrp="1"/>
+          </p:cNvPicPr>
+          <p:nvPr>
+            <p:ph idx="1"/>
+          </p:nvPr>
+        </p:nvPicPr>
+        <p:blipFill>
+          <a:blip r:embed="rId3"/>
+          <a:stretch>
+            <a:fillRect/>
+          </a:stretch>
+        </p:blipFill>
+        <p:spPr>
+          <a:xfrm>
+            <a:off x="2205037" y="2362994"/>
+            <a:ext cx="4733925" cy="3000375"/>
+          </a:xfrm>
+          <a:prstGeom prst="rect">
+            <a:avLst/>
+          </a:prstGeom>
+        </p:spPr>
+      </p:pic>
+      <p:sp>
+        <p:nvSpPr>
+          <p:cNvPr id="6" name="Retângulo 5"/>
+          <p:cNvSpPr/>
+          <p:nvPr/>
+        </p:nvSpPr>
+        <p:spPr>
+          <a:xfrm>
+            <a:off x="0" y="5274246"/>
+            <a:ext cx="9144000" cy="369332"/>
+          </a:xfrm>
+          <a:prstGeom prst="rect">
+            <a:avLst/>
+          </a:prstGeom>
+        </p:spPr>
+        <p:txBody>
+          <a:bodyPr wrap="square">
+            <a:spAutoFit/>
+          </a:bodyPr>
+          <a:lstStyle/>
+          <a:p>
+            <a:pPr algn="ctr"/>
+            <a:r>
+              <a:rPr lang="pt-BR" dirty="0" smtClean="0">
+                <a:latin typeface="Arial" pitchFamily="34" charset="0"/>
+                <a:cs typeface="Arial" pitchFamily="34" charset="0"/>
+              </a:rPr>
+              <a:t>FIGURA 19 - Arquitetura do </a:t>
+            </a:r>
+            <a:r>
+              <a:rPr lang="pt-BR" i="1" dirty="0" smtClean="0">
+                <a:latin typeface="Arial" pitchFamily="34" charset="0"/>
+                <a:cs typeface="Arial" pitchFamily="34" charset="0"/>
+              </a:rPr>
+              <a:t>software</a:t>
+            </a:r>
+            <a:r>
+              <a:rPr lang="pt-BR" dirty="0" smtClean="0">
+                <a:latin typeface="Arial" pitchFamily="34" charset="0"/>
+                <a:cs typeface="Arial" pitchFamily="34" charset="0"/>
+              </a:rPr>
+              <a:t> do sistema de recepção </a:t>
+            </a:r>
+            <a:r>
+              <a:rPr lang="pt-BR" dirty="0" err="1" smtClean="0">
+                <a:latin typeface="Arial" pitchFamily="34" charset="0"/>
+                <a:cs typeface="Arial" pitchFamily="34" charset="0"/>
+              </a:rPr>
+              <a:t>microcontrolado</a:t>
+            </a:r>
+            <a:r>
+              <a:rPr lang="pt-BR" dirty="0" smtClean="0">
+                <a:latin typeface="Arial" pitchFamily="34" charset="0"/>
+                <a:cs typeface="Arial" pitchFamily="34" charset="0"/>
+              </a:rPr>
+              <a:t>.</a:t>
+            </a:r>
+            <a:endParaRPr lang="pt-BR" dirty="0">
+              <a:latin typeface="Arial" pitchFamily="34" charset="0"/>
+              <a:cs typeface="Arial" pitchFamily="34" charset="0"/>
+            </a:endParaRPr>
           </a:p>
         </p:txBody>
       </p:sp>
@@ -7421,37 +9516,6 @@
       </p:sp>
       <p:sp>
         <p:nvSpPr>
-          <p:cNvPr id="3" name="Espaço Reservado para Conteúdo 2"/>
-          <p:cNvSpPr>
-            <a:spLocks noGrp="1"/>
-          </p:cNvSpPr>
-          <p:nvPr>
-            <p:ph idx="1"/>
-          </p:nvPr>
-        </p:nvSpPr>
-        <p:spPr/>
-        <p:txBody>
-          <a:bodyPr>
-            <a:normAutofit/>
-          </a:bodyPr>
-          <a:lstStyle/>
-          <a:p>
-            <a:r>
-              <a:rPr lang="pt-BR" dirty="0" smtClean="0">
-                <a:latin typeface="Arial" pitchFamily="34" charset="0"/>
-                <a:cs typeface="Arial" pitchFamily="34" charset="0"/>
-              </a:rPr>
-              <a:t>INTEGRAÇÃO E TESTES</a:t>
-            </a:r>
-            <a:endParaRPr lang="pt-BR" dirty="0">
-              <a:latin typeface="Arial" pitchFamily="34" charset="0"/>
-              <a:cs typeface="Arial" pitchFamily="34" charset="0"/>
-            </a:endParaRPr>
-          </a:p>
-        </p:txBody>
-      </p:sp>
-      <p:sp>
-        <p:nvSpPr>
           <p:cNvPr id="4" name="Espaço Reservado para Número de Slide 3"/>
           <p:cNvSpPr>
             <a:spLocks noGrp="1"/>
@@ -7471,6 +9535,84 @@
               <a:t>16</a:t>
             </a:fld>
             <a:endParaRPr lang="pt-BR"/>
+          </a:p>
+        </p:txBody>
+      </p:sp>
+      <p:pic>
+        <p:nvPicPr>
+          <p:cNvPr id="5" name="Espaço Reservado para Conteúdo 4" descr="P290511_12.22.jpg"/>
+          <p:cNvPicPr>
+            <a:picLocks noGrp="1"/>
+          </p:cNvPicPr>
+          <p:nvPr>
+            <p:ph idx="1"/>
+          </p:nvPr>
+        </p:nvPicPr>
+        <p:blipFill>
+          <a:blip r:embed="rId3" cstate="print">
+            <a:grayscl/>
+          </a:blip>
+          <a:stretch>
+            <a:fillRect/>
+          </a:stretch>
+        </p:blipFill>
+        <p:spPr>
+          <a:xfrm>
+            <a:off x="2136371" y="2036459"/>
+            <a:ext cx="4871258" cy="3653444"/>
+          </a:xfrm>
+          <a:prstGeom prst="rect">
+            <a:avLst/>
+          </a:prstGeom>
+        </p:spPr>
+      </p:pic>
+      <p:sp>
+        <p:nvSpPr>
+          <p:cNvPr id="6" name="Retângulo 5"/>
+          <p:cNvSpPr/>
+          <p:nvPr/>
+        </p:nvSpPr>
+        <p:spPr>
+          <a:xfrm>
+            <a:off x="0" y="5774312"/>
+            <a:ext cx="9144000" cy="369332"/>
+          </a:xfrm>
+          <a:prstGeom prst="rect">
+            <a:avLst/>
+          </a:prstGeom>
+        </p:spPr>
+        <p:txBody>
+          <a:bodyPr wrap="square">
+            <a:spAutoFit/>
+          </a:bodyPr>
+          <a:lstStyle/>
+          <a:p>
+            <a:pPr algn="ctr"/>
+            <a:r>
+              <a:rPr lang="pt-BR" dirty="0" smtClean="0">
+                <a:latin typeface="Arial" pitchFamily="34" charset="0"/>
+                <a:cs typeface="Arial" pitchFamily="34" charset="0"/>
+              </a:rPr>
+              <a:t>FIGURA 20 - Integração de </a:t>
+            </a:r>
+            <a:r>
+              <a:rPr lang="pt-BR" i="1" dirty="0" smtClean="0">
+                <a:latin typeface="Arial" pitchFamily="34" charset="0"/>
+                <a:cs typeface="Arial" pitchFamily="34" charset="0"/>
+              </a:rPr>
+              <a:t>hardware</a:t>
+            </a:r>
+            <a:r>
+              <a:rPr lang="pt-BR" dirty="0" smtClean="0">
+                <a:latin typeface="Arial" pitchFamily="34" charset="0"/>
+                <a:cs typeface="Arial" pitchFamily="34" charset="0"/>
+              </a:rPr>
+              <a:t> da central.</a:t>
+            </a:r>
+            <a:endParaRPr lang="pt-BR" dirty="0">
+              <a:latin typeface="Arial" pitchFamily="34" charset="0"/>
+              <a:cs typeface="Arial" pitchFamily="34" charset="0"/>
+            </a:endParaRPr>
           </a:p>
         </p:txBody>
       </p:sp>
@@ -7560,14 +9702,7 @@
                 <a:latin typeface="Arial" pitchFamily="34" charset="0"/>
                 <a:cs typeface="Arial" pitchFamily="34" charset="0"/>
               </a:rPr>
-              <a:t>Inclusão </a:t>
-            </a:r>
-            <a:r>
-              <a:rPr lang="pt-BR" dirty="0" smtClean="0">
-                <a:latin typeface="Arial" pitchFamily="34" charset="0"/>
-                <a:cs typeface="Arial" pitchFamily="34" charset="0"/>
-              </a:rPr>
-              <a:t>de uma validação por senha na IVR para garantir mais segurança ao acesso ao sistema.</a:t>
+              <a:t>Inclusão de uma validação por senha na IVR para garantir mais segurança ao acesso ao sistema.</a:t>
             </a:r>
           </a:p>
           <a:p>
@@ -8951,13 +11086,6 @@
               </a:rPr>
               <a:t>&lt;colocar imagens&gt;</a:t>
             </a:r>
-            <a:endParaRPr lang="pt-BR" dirty="0" smtClean="0">
-              <a:solidFill>
-                <a:srgbClr val="FF0000"/>
-              </a:solidFill>
-              <a:latin typeface="Arial" pitchFamily="34" charset="0"/>
-              <a:cs typeface="Arial" pitchFamily="34" charset="0"/>
-            </a:endParaRPr>
           </a:p>
         </p:txBody>
       </p:sp>
@@ -9083,14 +11211,7 @@
                 <a:latin typeface="Arial" pitchFamily="34" charset="0"/>
                 <a:cs typeface="Arial" pitchFamily="34" charset="0"/>
               </a:rPr>
-              <a:t>usuário</a:t>
-            </a:r>
-            <a:r>
-              <a:rPr lang="pt-BR" dirty="0" smtClean="0">
-                <a:latin typeface="Arial" pitchFamily="34" charset="0"/>
-                <a:cs typeface="Arial" pitchFamily="34" charset="0"/>
-              </a:rPr>
-              <a:t>.</a:t>
+              <a:t>usuário.</a:t>
             </a:r>
           </a:p>
           <a:p>
@@ -9112,13 +11233,6 @@
               </a:rPr>
               <a:t>&lt;&lt;imagem colocando o boneco e operadora&gt;&gt;</a:t>
             </a:r>
-            <a:endParaRPr lang="pt-BR" dirty="0" smtClean="0">
-              <a:solidFill>
-                <a:srgbClr val="FF0000"/>
-              </a:solidFill>
-              <a:latin typeface="Arial" pitchFamily="34" charset="0"/>
-              <a:cs typeface="Arial" pitchFamily="34" charset="0"/>
-            </a:endParaRPr>
           </a:p>
         </p:txBody>
       </p:sp>
@@ -9658,6 +11772,64 @@
           </a:p>
         </p:txBody>
       </p:sp>
+      <p:sp>
+        <p:nvSpPr>
+          <p:cNvPr id="8" name="Retângulo de cantos arredondados 7"/>
+          <p:cNvSpPr/>
+          <p:nvPr/>
+        </p:nvSpPr>
+        <p:spPr>
+          <a:xfrm>
+            <a:off x="6500826" y="3643314"/>
+            <a:ext cx="1071570" cy="1000132"/>
+          </a:xfrm>
+          <a:prstGeom prst="roundRect">
+            <a:avLst/>
+          </a:prstGeom>
+          <a:solidFill>
+            <a:schemeClr val="accent1">
+              <a:lumMod val="60000"/>
+              <a:lumOff val="40000"/>
+            </a:schemeClr>
+          </a:solidFill>
+        </p:spPr>
+        <p:style>
+          <a:lnRef idx="2">
+            <a:schemeClr val="accent1">
+              <a:shade val="50000"/>
+            </a:schemeClr>
+          </a:lnRef>
+          <a:fillRef idx="1">
+            <a:schemeClr val="accent1"/>
+          </a:fillRef>
+          <a:effectRef idx="0">
+            <a:schemeClr val="accent1"/>
+          </a:effectRef>
+          <a:fontRef idx="minor">
+            <a:schemeClr val="lt1"/>
+          </a:fontRef>
+        </p:style>
+        <p:txBody>
+          <a:bodyPr rtlCol="0" anchor="ctr"/>
+          <a:lstStyle/>
+          <a:p>
+            <a:pPr algn="ctr"/>
+            <a:r>
+              <a:rPr lang="pt-BR" dirty="0" smtClean="0">
+                <a:solidFill>
+                  <a:schemeClr val="tx1"/>
+                </a:solidFill>
+              </a:rPr>
+              <a:t>SIP/RTP</a:t>
+            </a:r>
+            <a:endParaRPr lang="pt-BR" dirty="0">
+              <a:solidFill>
+                <a:schemeClr val="tx1"/>
+              </a:solidFill>
+            </a:endParaRPr>
+          </a:p>
+        </p:txBody>
+      </p:sp>
     </p:spTree>
   </p:cSld>
   <p:clrMapOvr>
@@ -9666,9 +11838,126 @@
   <p:timing>
     <p:tnLst>
       <p:par>
-        <p:cTn id="1" dur="indefinite" restart="never" nodeType="tmRoot"/>
+        <p:cTn id="1" dur="indefinite" restart="never" nodeType="tmRoot">
+          <p:childTnLst>
+            <p:seq concurrent="1" nextAc="seek">
+              <p:cTn id="2" dur="indefinite" nodeType="mainSeq">
+                <p:childTnLst>
+                  <p:par>
+                    <p:cTn id="3" fill="hold">
+                      <p:stCondLst>
+                        <p:cond delay="indefinite"/>
+                      </p:stCondLst>
+                      <p:childTnLst>
+                        <p:par>
+                          <p:cTn id="4" fill="hold">
+                            <p:stCondLst>
+                              <p:cond delay="0"/>
+                            </p:stCondLst>
+                            <p:childTnLst>
+                              <p:par>
+                                <p:cTn id="5" presetID="2" presetClass="entr" presetSubtype="4" fill="hold" grpId="0" nodeType="clickEffect">
+                                  <p:stCondLst>
+                                    <p:cond delay="0"/>
+                                  </p:stCondLst>
+                                  <p:childTnLst>
+                                    <p:set>
+                                      <p:cBhvr>
+                                        <p:cTn id="6" dur="1" fill="hold">
+                                          <p:stCondLst>
+                                            <p:cond delay="0"/>
+                                          </p:stCondLst>
+                                        </p:cTn>
+                                        <p:tgtEl>
+                                          <p:spTgt spid="8"/>
+                                        </p:tgtEl>
+                                        <p:attrNameLst>
+                                          <p:attrName>style.visibility</p:attrName>
+                                        </p:attrNameLst>
+                                      </p:cBhvr>
+                                      <p:to>
+                                        <p:strVal val="visible"/>
+                                      </p:to>
+                                    </p:set>
+                                    <p:anim calcmode="lin" valueType="num">
+                                      <p:cBhvr additive="base">
+                                        <p:cTn id="7" dur="500" fill="hold"/>
+                                        <p:tgtEl>
+                                          <p:spTgt spid="8"/>
+                                        </p:tgtEl>
+                                        <p:attrNameLst>
+                                          <p:attrName>ppt_x</p:attrName>
+                                        </p:attrNameLst>
+                                      </p:cBhvr>
+                                      <p:tavLst>
+                                        <p:tav tm="0">
+                                          <p:val>
+                                            <p:strVal val="#ppt_x"/>
+                                          </p:val>
+                                        </p:tav>
+                                        <p:tav tm="100000">
+                                          <p:val>
+                                            <p:strVal val="#ppt_x"/>
+                                          </p:val>
+                                        </p:tav>
+                                      </p:tavLst>
+                                    </p:anim>
+                                    <p:anim calcmode="lin" valueType="num">
+                                      <p:cBhvr additive="base">
+                                        <p:cTn id="8" dur="500" fill="hold"/>
+                                        <p:tgtEl>
+                                          <p:spTgt spid="8"/>
+                                        </p:tgtEl>
+                                        <p:attrNameLst>
+                                          <p:attrName>ppt_y</p:attrName>
+                                        </p:attrNameLst>
+                                      </p:cBhvr>
+                                      <p:tavLst>
+                                        <p:tav tm="0">
+                                          <p:val>
+                                            <p:strVal val="1+#ppt_h/2"/>
+                                          </p:val>
+                                        </p:tav>
+                                        <p:tav tm="100000">
+                                          <p:val>
+                                            <p:strVal val="#ppt_y"/>
+                                          </p:val>
+                                        </p:tav>
+                                      </p:tavLst>
+                                    </p:anim>
+                                  </p:childTnLst>
+                                </p:cTn>
+                              </p:par>
+                            </p:childTnLst>
+                          </p:cTn>
+                        </p:par>
+                      </p:childTnLst>
+                    </p:cTn>
+                  </p:par>
+                </p:childTnLst>
+              </p:cTn>
+              <p:prevCondLst>
+                <p:cond evt="onPrev" delay="0">
+                  <p:tgtEl>
+                    <p:sldTgt/>
+                  </p:tgtEl>
+                </p:cond>
+              </p:prevCondLst>
+              <p:nextCondLst>
+                <p:cond evt="onNext" delay="0">
+                  <p:tgtEl>
+                    <p:sldTgt/>
+                  </p:tgtEl>
+                </p:cond>
+              </p:nextCondLst>
+            </p:seq>
+          </p:childTnLst>
+        </p:cTn>
       </p:par>
     </p:tnLst>
+    <p:bldLst>
+      <p:bldP spid="8" grpId="0" animBg="1"/>
+    </p:bldLst>
   </p:timing>
 </p:sld>
 </file>
@@ -9783,13 +12072,6 @@
               </a:rPr>
               <a:t>&gt;</a:t>
             </a:r>
-            <a:endParaRPr lang="pt-BR" i="1" dirty="0" smtClean="0">
-              <a:solidFill>
-                <a:srgbClr val="FF0000"/>
-              </a:solidFill>
-              <a:latin typeface="Arial" pitchFamily="34" charset="0"/>
-              <a:cs typeface="Arial" pitchFamily="34" charset="0"/>
-            </a:endParaRPr>
           </a:p>
         </p:txBody>
       </p:sp>
@@ -9977,14 +12259,7 @@
                 <a:latin typeface="Arial" pitchFamily="34" charset="0"/>
                 <a:cs typeface="Arial" pitchFamily="34" charset="0"/>
               </a:rPr>
-              <a:t>Kit </a:t>
-            </a:r>
-            <a:r>
-              <a:rPr lang="pt-BR" dirty="0" smtClean="0">
-                <a:latin typeface="Arial" pitchFamily="34" charset="0"/>
-                <a:cs typeface="Arial" pitchFamily="34" charset="0"/>
-              </a:rPr>
-              <a:t>MCU:</a:t>
+              <a:t>Kit MCU:</a:t>
             </a:r>
           </a:p>
           <a:p>
@@ -10031,7 +12306,7 @@
             <a:grayscl/>
             <a:extLst>
               <a:ext uri="{28A0092B-C50C-407E-A947-70E740481C1C}">
-                <a14:useLocalDpi xmlns:lc="http://schemas.openxmlformats.org/drawingml/2006/lockedCanvas" xmlns:pic="http://schemas.openxmlformats.org/drawingml/2006/picture" xmlns="" xmlns:wpc="http://schemas.microsoft.com/office/word/2010/wordprocessingCanvas" xmlns:mc="http://schemas.openxmlformats.org/markup-compatibility/2006" xmlns:o="urn:schemas-microsoft-com:office:office" xmlns:v="urn:schemas-microsoft-com:vml" xmlns:wp14="http://schemas.microsoft.com/office/word/2010/wordprocessingDrawing" xmlns:w10="urn:schemas-microsoft-com:office:word" xmlns:w="http://schemas.openxmlformats.org/wordprocessingml/2006/main" xmlns:w14="http://schemas.microsoft.com/office/word/2010/wordml" xmlns:wpg="http://schemas.microsoft.com/office/word/2010/wordprocessingGroup" xmlns:wpi="http://schemas.microsoft.com/office/word/2010/wordprocessingInk" xmlns:wps="http://schemas.microsoft.com/office/word/2010/wordprocessingShape" xmlns:a14="http://schemas.microsoft.com/office/drawing/2010/main" xmlns:wne="http://schemas.microsoft.com/office/word/2006/wordml" xmlns:wp="http://schemas.openxmlformats.org/drawingml/2006/wordprocessingDrawing" xmlns:m="http://schemas.openxmlformats.org/officeDocument/2006/math" xmlns:ve="http://schemas.openxmlformats.org/markup-compatibility/2006" val="0"/>
+                <a14:useLocalDpi xmlns:ve="http://schemas.openxmlformats.org/markup-compatibility/2006" xmlns:m="http://schemas.openxmlformats.org/officeDocument/2006/math" xmlns:wp="http://schemas.openxmlformats.org/drawingml/2006/wordprocessingDrawing" xmlns:wne="http://schemas.microsoft.com/office/word/2006/wordml" xmlns:a14="http://schemas.microsoft.com/office/drawing/2010/main" xmlns:wps="http://schemas.microsoft.com/office/word/2010/wordprocessingShape" xmlns:wpi="http://schemas.microsoft.com/office/word/2010/wordprocessingInk" xmlns:wpg="http://schemas.microsoft.com/office/word/2010/wordprocessingGroup" xmlns:w14="http://schemas.microsoft.com/office/word/2010/wordml" xmlns:w="http://schemas.openxmlformats.org/wordprocessingml/2006/main" xmlns:w10="urn:schemas-microsoft-com:office:word" xmlns:wp14="http://schemas.microsoft.com/office/word/2010/wordprocessingDrawing" xmlns:v="urn:schemas-microsoft-com:vml" xmlns:o="urn:schemas-microsoft-com:office:office" xmlns:mc="http://schemas.openxmlformats.org/markup-compatibility/2006" xmlns:wpc="http://schemas.microsoft.com/office/word/2010/wordprocessingCanvas" xmlns="" xmlns:pic="http://schemas.openxmlformats.org/drawingml/2006/picture" xmlns:lc="http://schemas.openxmlformats.org/drawingml/2006/lockedCanvas" val="0"/>
               </a:ext>
             </a:extLst>
           </a:blip>

--- a/tcc/docs/monograph.pptx
+++ b/tcc/docs/monograph.pptx
@@ -211,7 +211,7 @@
             <a:fld id="{1976F623-06CD-4732-B56E-AFE95C60C80B}" type="datetimeFigureOut">
               <a:rPr lang="pt-BR" smtClean="0"/>
               <a:pPr/>
-              <a:t>04/07/2011</a:t>
+              <a:t>5/7/2011</a:t>
             </a:fld>
             <a:endParaRPr lang="pt-BR"/>
           </a:p>
@@ -2508,14 +2508,7 @@
                 <a:latin typeface="Arial" pitchFamily="34" charset="0"/>
                 <a:cs typeface="Arial" pitchFamily="34" charset="0"/>
               </a:rPr>
-              <a:t>Os </a:t>
-            </a:r>
-            <a:r>
-              <a:rPr lang="pt-BR" dirty="0" smtClean="0">
-                <a:latin typeface="Arial" pitchFamily="34" charset="0"/>
-                <a:cs typeface="Arial" pitchFamily="34" charset="0"/>
-              </a:rPr>
-              <a:t>testes realizados com o sistema funcionaram de acordo com o esperado, conseguiu-se montar uma rede totalmente isolada, fazer as chamadas, enviar os comandos para desligar, desligar e requisitar o estado do LED, mesmo com um pequeno atraso para receber a mensagem de texto, tudo isso sem custo algum para o usuário</a:t>
+              <a:t>Os testes realizados com o sistema funcionaram de acordo com o esperado, conseguiu-se montar uma rede totalmente isolada, fazer as chamadas, enviar os comandos para desligar, desligar e requisitar o estado do LED, mesmo com um pequeno atraso para receber a mensagem de texto, tudo isso sem custo algum para o usuário</a:t>
             </a:r>
             <a:endParaRPr lang="pt-BR" dirty="0"/>
           </a:p>
@@ -5406,7 +5399,7 @@
             <a:fld id="{29F8B47F-980B-4E14-A43F-55D6BB94575F}" type="datetime1">
               <a:rPr lang="pt-BR" smtClean="0"/>
               <a:pPr/>
-              <a:t>04/07/2011</a:t>
+              <a:t>5/7/2011</a:t>
             </a:fld>
             <a:endParaRPr lang="pt-BR"/>
           </a:p>
@@ -5573,7 +5566,7 @@
             <a:fld id="{091E2EB4-DB5F-4398-986C-3395297E4207}" type="datetime1">
               <a:rPr lang="pt-BR" smtClean="0"/>
               <a:pPr/>
-              <a:t>04/07/2011</a:t>
+              <a:t>5/7/2011</a:t>
             </a:fld>
             <a:endParaRPr lang="pt-BR"/>
           </a:p>
@@ -5750,7 +5743,7 @@
             <a:fld id="{0AB4ADD2-DAAC-4649-98E1-C48131433A86}" type="datetime1">
               <a:rPr lang="pt-BR" smtClean="0"/>
               <a:pPr/>
-              <a:t>04/07/2011</a:t>
+              <a:t>5/7/2011</a:t>
             </a:fld>
             <a:endParaRPr lang="pt-BR"/>
           </a:p>
@@ -5917,7 +5910,7 @@
             <a:fld id="{27ACAA1A-D992-4E9B-9F61-CEB111E29124}" type="datetime1">
               <a:rPr lang="pt-BR" smtClean="0"/>
               <a:pPr/>
-              <a:t>04/07/2011</a:t>
+              <a:t>5/7/2011</a:t>
             </a:fld>
             <a:endParaRPr lang="pt-BR"/>
           </a:p>
@@ -6160,7 +6153,7 @@
             <a:fld id="{969A3B3D-9F4E-49A5-A34D-EA22113C6702}" type="datetime1">
               <a:rPr lang="pt-BR" smtClean="0"/>
               <a:pPr/>
-              <a:t>04/07/2011</a:t>
+              <a:t>5/7/2011</a:t>
             </a:fld>
             <a:endParaRPr lang="pt-BR"/>
           </a:p>
@@ -6445,7 +6438,7 @@
             <a:fld id="{0BBF3E65-2685-4395-8C93-E0B14AEDC616}" type="datetime1">
               <a:rPr lang="pt-BR" smtClean="0"/>
               <a:pPr/>
-              <a:t>04/07/2011</a:t>
+              <a:t>5/7/2011</a:t>
             </a:fld>
             <a:endParaRPr lang="pt-BR"/>
           </a:p>
@@ -6864,7 +6857,7 @@
             <a:fld id="{3071945A-23CD-46CF-8118-3346900D100B}" type="datetime1">
               <a:rPr lang="pt-BR" smtClean="0"/>
               <a:pPr/>
-              <a:t>04/07/2011</a:t>
+              <a:t>5/7/2011</a:t>
             </a:fld>
             <a:endParaRPr lang="pt-BR"/>
           </a:p>
@@ -6979,7 +6972,7 @@
             <a:fld id="{C2F5FFE1-EA77-497C-A271-EAC09B7C7331}" type="datetime1">
               <a:rPr lang="pt-BR" smtClean="0"/>
               <a:pPr/>
-              <a:t>04/07/2011</a:t>
+              <a:t>5/7/2011</a:t>
             </a:fld>
             <a:endParaRPr lang="pt-BR"/>
           </a:p>
@@ -7071,7 +7064,7 @@
             <a:fld id="{47932D38-3E0D-44D8-A3F3-B0F73F2573F4}" type="datetime1">
               <a:rPr lang="pt-BR" smtClean="0"/>
               <a:pPr/>
-              <a:t>04/07/2011</a:t>
+              <a:t>5/7/2011</a:t>
             </a:fld>
             <a:endParaRPr lang="pt-BR"/>
           </a:p>
@@ -7345,7 +7338,7 @@
             <a:fld id="{0FEEA520-57E8-4399-A012-1342584DD880}" type="datetime1">
               <a:rPr lang="pt-BR" smtClean="0"/>
               <a:pPr/>
-              <a:t>04/07/2011</a:t>
+              <a:t>5/7/2011</a:t>
             </a:fld>
             <a:endParaRPr lang="pt-BR"/>
           </a:p>
@@ -7595,7 +7588,7 @@
             <a:fld id="{95BC7F47-997B-40CB-A2E8-F5377E96EFC9}" type="datetime1">
               <a:rPr lang="pt-BR" smtClean="0"/>
               <a:pPr/>
-              <a:t>04/07/2011</a:t>
+              <a:t>5/7/2011</a:t>
             </a:fld>
             <a:endParaRPr lang="pt-BR"/>
           </a:p>
@@ -7805,7 +7798,7 @@
             <a:fld id="{8E5C2ADB-90FD-4712-A763-800370391805}" type="datetime1">
               <a:rPr lang="pt-BR" smtClean="0"/>
               <a:pPr/>
-              <a:t>04/07/2011</a:t>
+              <a:t>5/7/2011</a:t>
             </a:fld>
             <a:endParaRPr lang="pt-BR"/>
           </a:p>
@@ -8570,14 +8563,7 @@
                 <a:latin typeface="Arial" pitchFamily="34" charset="0"/>
                 <a:cs typeface="Arial" pitchFamily="34" charset="0"/>
               </a:rPr>
-              <a:t>Bibliotecas </a:t>
-            </a:r>
-            <a:r>
-              <a:rPr lang="pt-BR" dirty="0" smtClean="0">
-                <a:latin typeface="Arial" pitchFamily="34" charset="0"/>
-                <a:cs typeface="Arial" pitchFamily="34" charset="0"/>
-              </a:rPr>
-              <a:t>GNOME:</a:t>
+              <a:t>Bibliotecas GNOME:</a:t>
             </a:r>
           </a:p>
           <a:p>
@@ -8606,10 +8592,6 @@
               </a:rPr>
               <a:t>GIO v2.26.1</a:t>
             </a:r>
-            <a:endParaRPr lang="pt-BR" dirty="0" smtClean="0">
-              <a:latin typeface="Arial" pitchFamily="34" charset="0"/>
-              <a:cs typeface="Arial" pitchFamily="34" charset="0"/>
-            </a:endParaRPr>
           </a:p>
           <a:p>
             <a:pPr lvl="1" algn="just"/>
@@ -8627,10 +8609,6 @@
               </a:rPr>
               <a:t> v7.0.</a:t>
             </a:r>
-            <a:endParaRPr lang="pt-BR" dirty="0" smtClean="0">
-              <a:latin typeface="Arial" pitchFamily="34" charset="0"/>
-              <a:cs typeface="Arial" pitchFamily="34" charset="0"/>
-            </a:endParaRPr>
           </a:p>
           <a:p>
             <a:pPr lvl="1" algn="just"/>
@@ -8646,19 +8624,8 @@
                 <a:latin typeface="Arial" pitchFamily="34" charset="0"/>
                 <a:cs typeface="Arial" pitchFamily="34" charset="0"/>
               </a:rPr>
-              <a:t> </a:t>
-            </a:r>
-            <a:r>
-              <a:rPr lang="pt-BR" dirty="0" smtClean="0">
-                <a:latin typeface="Arial" pitchFamily="34" charset="0"/>
-                <a:cs typeface="Arial" pitchFamily="34" charset="0"/>
-              </a:rPr>
-              <a:t>v1.6.2.</a:t>
-            </a:r>
-            <a:endParaRPr lang="pt-BR" dirty="0" smtClean="0">
-              <a:latin typeface="Arial" pitchFamily="34" charset="0"/>
-              <a:cs typeface="Arial" pitchFamily="34" charset="0"/>
-            </a:endParaRPr>
+              <a:t> v1.6.2.</a:t>
+            </a:r>
           </a:p>
         </p:txBody>
       </p:sp>
@@ -11074,19 +11041,6 @@
               <a:cs typeface="Arial" pitchFamily="34" charset="0"/>
             </a:endParaRPr>
           </a:p>
-          <a:p>
-            <a:pPr algn="just"/>
-            <a:r>
-              <a:rPr lang="pt-BR" dirty="0" smtClean="0">
-                <a:solidFill>
-                  <a:srgbClr val="FF0000"/>
-                </a:solidFill>
-                <a:latin typeface="Arial" pitchFamily="34" charset="0"/>
-                <a:cs typeface="Arial" pitchFamily="34" charset="0"/>
-              </a:rPr>
-              <a:t>&lt;colocar imagens&gt;</a:t>
-            </a:r>
-          </a:p>
         </p:txBody>
       </p:sp>
       <p:sp>
@@ -11221,19 +11175,6 @@
               <a:cs typeface="Arial" pitchFamily="34" charset="0"/>
             </a:endParaRPr>
           </a:p>
-          <a:p>
-            <a:pPr algn="just"/>
-            <a:r>
-              <a:rPr lang="pt-BR" dirty="0" smtClean="0">
-                <a:solidFill>
-                  <a:srgbClr val="FF0000"/>
-                </a:solidFill>
-                <a:latin typeface="Arial" pitchFamily="34" charset="0"/>
-                <a:cs typeface="Arial" pitchFamily="34" charset="0"/>
-              </a:rPr>
-              <a:t>&lt;&lt;imagem colocando o boneco e operadora&gt;&gt;</a:t>
-            </a:r>
-          </a:p>
         </p:txBody>
       </p:sp>
       <p:sp>
@@ -11260,6 +11201,30 @@
           </a:p>
         </p:txBody>
       </p:sp>
+      <p:pic>
+        <p:nvPicPr>
+          <p:cNvPr id="5" name="Imagem 4" descr="1211032652950_bigPhoto_3.jpg"/>
+          <p:cNvPicPr>
+            <a:picLocks noChangeAspect="1"/>
+          </p:cNvPicPr>
+          <p:nvPr/>
+        </p:nvPicPr>
+        <p:blipFill>
+          <a:blip r:embed="rId3"/>
+          <a:stretch>
+            <a:fillRect/>
+          </a:stretch>
+        </p:blipFill>
+        <p:spPr>
+          <a:xfrm>
+            <a:off x="3143240" y="3429000"/>
+            <a:ext cx="2857500" cy="2857500"/>
+          </a:xfrm>
+          <a:prstGeom prst="rect">
+            <a:avLst/>
+          </a:prstGeom>
+        </p:spPr>
+      </p:pic>
     </p:spTree>
   </p:cSld>
   <p:clrMapOvr>
@@ -12306,7 +12271,7 @@
             <a:grayscl/>
             <a:extLst>
               <a:ext uri="{28A0092B-C50C-407E-A947-70E740481C1C}">
-                <a14:useLocalDpi xmlns:ve="http://schemas.openxmlformats.org/markup-compatibility/2006" xmlns:m="http://schemas.openxmlformats.org/officeDocument/2006/math" xmlns:wp="http://schemas.openxmlformats.org/drawingml/2006/wordprocessingDrawing" xmlns:wne="http://schemas.microsoft.com/office/word/2006/wordml" xmlns:a14="http://schemas.microsoft.com/office/drawing/2010/main" xmlns:wps="http://schemas.microsoft.com/office/word/2010/wordprocessingShape" xmlns:wpi="http://schemas.microsoft.com/office/word/2010/wordprocessingInk" xmlns:wpg="http://schemas.microsoft.com/office/word/2010/wordprocessingGroup" xmlns:w14="http://schemas.microsoft.com/office/word/2010/wordml" xmlns:w="http://schemas.openxmlformats.org/wordprocessingml/2006/main" xmlns:w10="urn:schemas-microsoft-com:office:word" xmlns:wp14="http://schemas.microsoft.com/office/word/2010/wordprocessingDrawing" xmlns:v="urn:schemas-microsoft-com:vml" xmlns:o="urn:schemas-microsoft-com:office:office" xmlns:mc="http://schemas.openxmlformats.org/markup-compatibility/2006" xmlns:wpc="http://schemas.microsoft.com/office/word/2010/wordprocessingCanvas" xmlns="" xmlns:pic="http://schemas.openxmlformats.org/drawingml/2006/picture" xmlns:lc="http://schemas.openxmlformats.org/drawingml/2006/lockedCanvas" val="0"/>
+                <a14:useLocalDpi xmlns:lc="http://schemas.openxmlformats.org/drawingml/2006/lockedCanvas" xmlns:pic="http://schemas.openxmlformats.org/drawingml/2006/picture" xmlns="" xmlns:wpc="http://schemas.microsoft.com/office/word/2010/wordprocessingCanvas" xmlns:mc="http://schemas.openxmlformats.org/markup-compatibility/2006" xmlns:o="urn:schemas-microsoft-com:office:office" xmlns:v="urn:schemas-microsoft-com:vml" xmlns:wp14="http://schemas.microsoft.com/office/word/2010/wordprocessingDrawing" xmlns:w10="urn:schemas-microsoft-com:office:word" xmlns:w="http://schemas.openxmlformats.org/wordprocessingml/2006/main" xmlns:w14="http://schemas.microsoft.com/office/word/2010/wordml" xmlns:wpg="http://schemas.microsoft.com/office/word/2010/wordprocessingGroup" xmlns:wpi="http://schemas.microsoft.com/office/word/2010/wordprocessingInk" xmlns:wps="http://schemas.microsoft.com/office/word/2010/wordprocessingShape" xmlns:a14="http://schemas.microsoft.com/office/drawing/2010/main" xmlns:wne="http://schemas.microsoft.com/office/word/2006/wordml" xmlns:wp="http://schemas.openxmlformats.org/drawingml/2006/wordprocessingDrawing" xmlns:m="http://schemas.openxmlformats.org/officeDocument/2006/math" xmlns:ve="http://schemas.openxmlformats.org/markup-compatibility/2006" val="0"/>
               </a:ext>
             </a:extLst>
           </a:blip>
